--- a/day-3-dynamic-arrays/day-3-dynamic-arrays.pptx
+++ b/day-3-dynamic-arrays/day-3-dynamic-arrays.pptx
@@ -5,39 +5,17 @@
     <p:sldMasterId id="2147483648" r:id="rId1"/>
   </p:sldMasterIdLst>
   <p:notesMasterIdLst>
-    <p:notesMasterId r:id="rId20"/>
+    <p:notesMasterId r:id="rId7"/>
   </p:notesMasterIdLst>
   <p:sldIdLst>
     <p:sldId id="256" r:id="rId2"/>
-    <p:sldId id="258" r:id="rId3"/>
-    <p:sldId id="436" r:id="rId4"/>
-    <p:sldId id="362" r:id="rId5"/>
-    <p:sldId id="404" r:id="rId6"/>
-    <p:sldId id="407" r:id="rId7"/>
-    <p:sldId id="415" r:id="rId8"/>
-    <p:sldId id="405" r:id="rId9"/>
-    <p:sldId id="412" r:id="rId10"/>
-    <p:sldId id="414" r:id="rId11"/>
-    <p:sldId id="406" r:id="rId12"/>
-    <p:sldId id="409" r:id="rId13"/>
-    <p:sldId id="416" r:id="rId14"/>
-    <p:sldId id="420" r:id="rId15"/>
-    <p:sldId id="427" r:id="rId16"/>
-    <p:sldId id="428" r:id="rId17"/>
-    <p:sldId id="434" r:id="rId18"/>
-    <p:sldId id="435" r:id="rId19"/>
+    <p:sldId id="436" r:id="rId3"/>
+    <p:sldId id="258" r:id="rId4"/>
+    <p:sldId id="415" r:id="rId5"/>
+    <p:sldId id="435" r:id="rId6"/>
   </p:sldIdLst>
   <p:sldSz cx="18288000" cy="10287000"/>
   <p:notesSz cx="6858000" cy="9144000"/>
-  <p:embeddedFontLst>
-    <p:embeddedFont>
-      <p:font typeface="Consolas" panose="020B0609020204030204" pitchFamily="49" charset="0"/>
-      <p:regular r:id="rId21"/>
-      <p:bold r:id="rId22"/>
-      <p:italic r:id="rId23"/>
-      <p:boldItalic r:id="rId24"/>
-    </p:embeddedFont>
-  </p:embeddedFontLst>
   <p:defaultTextStyle>
     <a:defPPr>
       <a:defRPr lang="en-US"/>
@@ -517,726 +495,6 @@
     </a:lvl9pPr>
   </p:notesStyle>
 </p:notesMaster>
-</file>
-
-<file path=ppt/notesSlides/notesSlide1.xml><?xml version="1.0" encoding="utf-8"?>
-<p:notes xmlns:a="http://schemas.openxmlformats.org/drawingml/2006/main" xmlns:r="http://schemas.openxmlformats.org/officeDocument/2006/relationships" xmlns:p="http://schemas.openxmlformats.org/presentationml/2006/main">
-  <p:cSld>
-    <p:spTree>
-      <p:nvGrpSpPr>
-        <p:cNvPr id="1" name=""/>
-        <p:cNvGrpSpPr/>
-        <p:nvPr/>
-      </p:nvGrpSpPr>
-      <p:grpSpPr>
-        <a:xfrm>
-          <a:off x="0" y="0"/>
-          <a:ext cx="0" cy="0"/>
-          <a:chOff x="0" y="0"/>
-          <a:chExt cx="0" cy="0"/>
-        </a:xfrm>
-      </p:grpSpPr>
-      <p:sp>
-        <p:nvSpPr>
-          <p:cNvPr id="2" name="Slide Image Placeholder 1"/>
-          <p:cNvSpPr>
-            <a:spLocks noGrp="1" noRot="1" noChangeAspect="1"/>
-          </p:cNvSpPr>
-          <p:nvPr>
-            <p:ph type="sldImg"/>
-          </p:nvPr>
-        </p:nvSpPr>
-        <p:spPr/>
-      </p:sp>
-      <p:sp>
-        <p:nvSpPr>
-          <p:cNvPr id="3" name="Notes Placeholder 2"/>
-          <p:cNvSpPr>
-            <a:spLocks noGrp="1"/>
-          </p:cNvSpPr>
-          <p:nvPr>
-            <p:ph type="body" idx="1"/>
-          </p:nvPr>
-        </p:nvSpPr>
-        <p:spPr/>
-        <p:txBody>
-          <a:bodyPr/>
-          <a:lstStyle/>
-          <a:p>
-            <a:pPr marL="228600" indent="-228600">
-              <a:buAutoNum type="arabicPeriod"/>
-            </a:pPr>
-            <a:r>
-              <a:rPr lang="en-US" dirty="0"/>
-              <a:t>False!</a:t>
-            </a:r>
-          </a:p>
-          <a:p>
-            <a:pPr marL="228600" indent="-228600">
-              <a:buAutoNum type="arabicPeriod"/>
-            </a:pPr>
-            <a:r>
-              <a:rPr lang="en-US" dirty="0"/>
-              <a:t>Function, Formula, Function</a:t>
-            </a:r>
-          </a:p>
-          <a:p>
-            <a:pPr marL="228600" indent="-228600">
-              <a:buAutoNum type="arabicPeriod"/>
-            </a:pPr>
-            <a:r>
-              <a:rPr lang="en-US" dirty="0"/>
-              <a:t>Argument</a:t>
-            </a:r>
-          </a:p>
-        </p:txBody>
-      </p:sp>
-      <p:sp>
-        <p:nvSpPr>
-          <p:cNvPr id="4" name="Slide Number Placeholder 3"/>
-          <p:cNvSpPr>
-            <a:spLocks noGrp="1"/>
-          </p:cNvSpPr>
-          <p:nvPr>
-            <p:ph type="sldNum" sz="quarter" idx="5"/>
-          </p:nvPr>
-        </p:nvSpPr>
-        <p:spPr/>
-        <p:txBody>
-          <a:bodyPr/>
-          <a:lstStyle/>
-          <a:p>
-            <a:fld id="{1300335D-9F13-4B80-ADC5-B0EA3E10FF6B}" type="slidenum">
-              <a:rPr lang="en-US" smtClean="0"/>
-              <a:t>6</a:t>
-            </a:fld>
-            <a:endParaRPr lang="en-US"/>
-          </a:p>
-        </p:txBody>
-      </p:sp>
-    </p:spTree>
-    <p:extLst>
-      <p:ext uri="{BB962C8B-B14F-4D97-AF65-F5344CB8AC3E}">
-        <p14:creationId xmlns:p14="http://schemas.microsoft.com/office/powerpoint/2010/main" val="624549242"/>
-      </p:ext>
-    </p:extLst>
-  </p:cSld>
-  <p:clrMapOvr>
-    <a:masterClrMapping/>
-  </p:clrMapOvr>
-</p:notes>
-</file>
-
-<file path=ppt/notesSlides/notesSlide2.xml><?xml version="1.0" encoding="utf-8"?>
-<p:notes xmlns:a="http://schemas.openxmlformats.org/drawingml/2006/main" xmlns:r="http://schemas.openxmlformats.org/officeDocument/2006/relationships" xmlns:p="http://schemas.openxmlformats.org/presentationml/2006/main">
-  <p:cSld>
-    <p:spTree>
-      <p:nvGrpSpPr>
-        <p:cNvPr id="1" name=""/>
-        <p:cNvGrpSpPr/>
-        <p:nvPr/>
-      </p:nvGrpSpPr>
-      <p:grpSpPr>
-        <a:xfrm>
-          <a:off x="0" y="0"/>
-          <a:ext cx="0" cy="0"/>
-          <a:chOff x="0" y="0"/>
-          <a:chExt cx="0" cy="0"/>
-        </a:xfrm>
-      </p:grpSpPr>
-      <p:sp>
-        <p:nvSpPr>
-          <p:cNvPr id="2" name="Slide Image Placeholder 1"/>
-          <p:cNvSpPr>
-            <a:spLocks noGrp="1" noRot="1" noChangeAspect="1"/>
-          </p:cNvSpPr>
-          <p:nvPr>
-            <p:ph type="sldImg"/>
-          </p:nvPr>
-        </p:nvSpPr>
-        <p:spPr/>
-      </p:sp>
-      <p:sp>
-        <p:nvSpPr>
-          <p:cNvPr id="3" name="Notes Placeholder 2"/>
-          <p:cNvSpPr>
-            <a:spLocks noGrp="1"/>
-          </p:cNvSpPr>
-          <p:nvPr>
-            <p:ph type="body" idx="1"/>
-          </p:nvPr>
-        </p:nvSpPr>
-        <p:spPr/>
-        <p:txBody>
-          <a:bodyPr/>
-          <a:lstStyle/>
-          <a:p>
-            <a:pPr marL="228600" indent="-228600">
-              <a:buAutoNum type="arabicPeriod"/>
-            </a:pPr>
-            <a:r>
-              <a:rPr lang="en-US" dirty="0"/>
-              <a:t>False!</a:t>
-            </a:r>
-          </a:p>
-          <a:p>
-            <a:pPr marL="228600" indent="-228600">
-              <a:buAutoNum type="arabicPeriod"/>
-            </a:pPr>
-            <a:r>
-              <a:rPr lang="en-US" dirty="0"/>
-              <a:t>Function, Formula, Function</a:t>
-            </a:r>
-          </a:p>
-          <a:p>
-            <a:pPr marL="228600" indent="-228600">
-              <a:buAutoNum type="arabicPeriod"/>
-            </a:pPr>
-            <a:r>
-              <a:rPr lang="en-US" dirty="0"/>
-              <a:t>Argument</a:t>
-            </a:r>
-          </a:p>
-        </p:txBody>
-      </p:sp>
-      <p:sp>
-        <p:nvSpPr>
-          <p:cNvPr id="4" name="Slide Number Placeholder 3"/>
-          <p:cNvSpPr>
-            <a:spLocks noGrp="1"/>
-          </p:cNvSpPr>
-          <p:nvPr>
-            <p:ph type="sldNum" sz="quarter" idx="5"/>
-          </p:nvPr>
-        </p:nvSpPr>
-        <p:spPr/>
-        <p:txBody>
-          <a:bodyPr/>
-          <a:lstStyle/>
-          <a:p>
-            <a:fld id="{1300335D-9F13-4B80-ADC5-B0EA3E10FF6B}" type="slidenum">
-              <a:rPr lang="en-US" smtClean="0"/>
-              <a:t>9</a:t>
-            </a:fld>
-            <a:endParaRPr lang="en-US"/>
-          </a:p>
-        </p:txBody>
-      </p:sp>
-    </p:spTree>
-    <p:extLst>
-      <p:ext uri="{BB962C8B-B14F-4D97-AF65-F5344CB8AC3E}">
-        <p14:creationId xmlns:p14="http://schemas.microsoft.com/office/powerpoint/2010/main" val="1500510141"/>
-      </p:ext>
-    </p:extLst>
-  </p:cSld>
-  <p:clrMapOvr>
-    <a:masterClrMapping/>
-  </p:clrMapOvr>
-</p:notes>
-</file>
-
-<file path=ppt/notesSlides/notesSlide3.xml><?xml version="1.0" encoding="utf-8"?>
-<p:notes xmlns:a="http://schemas.openxmlformats.org/drawingml/2006/main" xmlns:r="http://schemas.openxmlformats.org/officeDocument/2006/relationships" xmlns:p="http://schemas.openxmlformats.org/presentationml/2006/main">
-  <p:cSld>
-    <p:spTree>
-      <p:nvGrpSpPr>
-        <p:cNvPr id="1" name=""/>
-        <p:cNvGrpSpPr/>
-        <p:nvPr/>
-      </p:nvGrpSpPr>
-      <p:grpSpPr>
-        <a:xfrm>
-          <a:off x="0" y="0"/>
-          <a:ext cx="0" cy="0"/>
-          <a:chOff x="0" y="0"/>
-          <a:chExt cx="0" cy="0"/>
-        </a:xfrm>
-      </p:grpSpPr>
-      <p:sp>
-        <p:nvSpPr>
-          <p:cNvPr id="2" name="Slide Image Placeholder 1"/>
-          <p:cNvSpPr>
-            <a:spLocks noGrp="1" noRot="1" noChangeAspect="1"/>
-          </p:cNvSpPr>
-          <p:nvPr>
-            <p:ph type="sldImg"/>
-          </p:nvPr>
-        </p:nvSpPr>
-        <p:spPr/>
-      </p:sp>
-      <p:sp>
-        <p:nvSpPr>
-          <p:cNvPr id="3" name="Notes Placeholder 2"/>
-          <p:cNvSpPr>
-            <a:spLocks noGrp="1"/>
-          </p:cNvSpPr>
-          <p:nvPr>
-            <p:ph type="body" idx="1"/>
-          </p:nvPr>
-        </p:nvSpPr>
-        <p:spPr/>
-        <p:txBody>
-          <a:bodyPr/>
-          <a:lstStyle/>
-          <a:p>
-            <a:pPr marL="228600" indent="-228600">
-              <a:buAutoNum type="arabicPeriod"/>
-            </a:pPr>
-            <a:r>
-              <a:rPr lang="en-US" dirty="0"/>
-              <a:t>False!</a:t>
-            </a:r>
-          </a:p>
-          <a:p>
-            <a:pPr marL="228600" indent="-228600">
-              <a:buAutoNum type="arabicPeriod"/>
-            </a:pPr>
-            <a:r>
-              <a:rPr lang="en-US" dirty="0"/>
-              <a:t>Function, Formula, Function</a:t>
-            </a:r>
-          </a:p>
-          <a:p>
-            <a:pPr marL="228600" indent="-228600">
-              <a:buAutoNum type="arabicPeriod"/>
-            </a:pPr>
-            <a:r>
-              <a:rPr lang="en-US" dirty="0"/>
-              <a:t>Argument</a:t>
-            </a:r>
-          </a:p>
-        </p:txBody>
-      </p:sp>
-      <p:sp>
-        <p:nvSpPr>
-          <p:cNvPr id="4" name="Slide Number Placeholder 3"/>
-          <p:cNvSpPr>
-            <a:spLocks noGrp="1"/>
-          </p:cNvSpPr>
-          <p:nvPr>
-            <p:ph type="sldNum" sz="quarter" idx="5"/>
-          </p:nvPr>
-        </p:nvSpPr>
-        <p:spPr/>
-        <p:txBody>
-          <a:bodyPr/>
-          <a:lstStyle/>
-          <a:p>
-            <a:fld id="{1300335D-9F13-4B80-ADC5-B0EA3E10FF6B}" type="slidenum">
-              <a:rPr lang="en-US" smtClean="0"/>
-              <a:t>12</a:t>
-            </a:fld>
-            <a:endParaRPr lang="en-US"/>
-          </a:p>
-        </p:txBody>
-      </p:sp>
-    </p:spTree>
-    <p:extLst>
-      <p:ext uri="{BB962C8B-B14F-4D97-AF65-F5344CB8AC3E}">
-        <p14:creationId xmlns:p14="http://schemas.microsoft.com/office/powerpoint/2010/main" val="2338108748"/>
-      </p:ext>
-    </p:extLst>
-  </p:cSld>
-  <p:clrMapOvr>
-    <a:masterClrMapping/>
-  </p:clrMapOvr>
-</p:notes>
-</file>
-
-<file path=ppt/notesSlides/notesSlide4.xml><?xml version="1.0" encoding="utf-8"?>
-<p:notes xmlns:a="http://schemas.openxmlformats.org/drawingml/2006/main" xmlns:r="http://schemas.openxmlformats.org/officeDocument/2006/relationships" xmlns:p="http://schemas.openxmlformats.org/presentationml/2006/main">
-  <p:cSld>
-    <p:spTree>
-      <p:nvGrpSpPr>
-        <p:cNvPr id="1" name="">
-          <a:extLst>
-            <a:ext uri="{FF2B5EF4-FFF2-40B4-BE49-F238E27FC236}">
-              <a16:creationId xmlns:a16="http://schemas.microsoft.com/office/drawing/2014/main" id="{C5EB07CB-F821-6FB4-504B-18E965356C12}"/>
-            </a:ext>
-          </a:extLst>
-        </p:cNvPr>
-        <p:cNvGrpSpPr/>
-        <p:nvPr/>
-      </p:nvGrpSpPr>
-      <p:grpSpPr>
-        <a:xfrm>
-          <a:off x="0" y="0"/>
-          <a:ext cx="0" cy="0"/>
-          <a:chOff x="0" y="0"/>
-          <a:chExt cx="0" cy="0"/>
-        </a:xfrm>
-      </p:grpSpPr>
-      <p:sp>
-        <p:nvSpPr>
-          <p:cNvPr id="2" name="Slide Image Placeholder 1">
-            <a:extLst>
-              <a:ext uri="{FF2B5EF4-FFF2-40B4-BE49-F238E27FC236}">
-                <a16:creationId xmlns:a16="http://schemas.microsoft.com/office/drawing/2014/main" id="{897D5398-4244-A9DA-3ECC-2EF32CEB134C}"/>
-              </a:ext>
-            </a:extLst>
-          </p:cNvPr>
-          <p:cNvSpPr>
-            <a:spLocks noGrp="1" noRot="1" noChangeAspect="1"/>
-          </p:cNvSpPr>
-          <p:nvPr>
-            <p:ph type="sldImg"/>
-          </p:nvPr>
-        </p:nvSpPr>
-        <p:spPr/>
-      </p:sp>
-      <p:sp>
-        <p:nvSpPr>
-          <p:cNvPr id="3" name="Notes Placeholder 2">
-            <a:extLst>
-              <a:ext uri="{FF2B5EF4-FFF2-40B4-BE49-F238E27FC236}">
-                <a16:creationId xmlns:a16="http://schemas.microsoft.com/office/drawing/2014/main" id="{1E9B10CA-058E-BD6C-9BAE-E38604E28A20}"/>
-              </a:ext>
-            </a:extLst>
-          </p:cNvPr>
-          <p:cNvSpPr>
-            <a:spLocks noGrp="1"/>
-          </p:cNvSpPr>
-          <p:nvPr>
-            <p:ph type="body" idx="1"/>
-          </p:nvPr>
-        </p:nvSpPr>
-        <p:spPr/>
-        <p:txBody>
-          <a:bodyPr/>
-          <a:lstStyle/>
-          <a:p>
-            <a:pPr marL="228600" indent="-228600">
-              <a:buAutoNum type="arabicPeriod"/>
-            </a:pPr>
-            <a:r>
-              <a:rPr lang="en-US" dirty="0"/>
-              <a:t>False!</a:t>
-            </a:r>
-          </a:p>
-          <a:p>
-            <a:pPr marL="228600" indent="-228600">
-              <a:buAutoNum type="arabicPeriod"/>
-            </a:pPr>
-            <a:r>
-              <a:rPr lang="en-US" dirty="0"/>
-              <a:t>Function, Formula, Function</a:t>
-            </a:r>
-          </a:p>
-          <a:p>
-            <a:pPr marL="228600" indent="-228600">
-              <a:buAutoNum type="arabicPeriod"/>
-            </a:pPr>
-            <a:r>
-              <a:rPr lang="en-US" dirty="0"/>
-              <a:t>Argument</a:t>
-            </a:r>
-          </a:p>
-        </p:txBody>
-      </p:sp>
-      <p:sp>
-        <p:nvSpPr>
-          <p:cNvPr id="4" name="Slide Number Placeholder 3">
-            <a:extLst>
-              <a:ext uri="{FF2B5EF4-FFF2-40B4-BE49-F238E27FC236}">
-                <a16:creationId xmlns:a16="http://schemas.microsoft.com/office/drawing/2014/main" id="{802F1B72-8B6B-0B77-346D-7D3F89D3CCDC}"/>
-              </a:ext>
-            </a:extLst>
-          </p:cNvPr>
-          <p:cNvSpPr>
-            <a:spLocks noGrp="1"/>
-          </p:cNvSpPr>
-          <p:nvPr>
-            <p:ph type="sldNum" sz="quarter" idx="5"/>
-          </p:nvPr>
-        </p:nvSpPr>
-        <p:spPr/>
-        <p:txBody>
-          <a:bodyPr/>
-          <a:lstStyle/>
-          <a:p>
-            <a:fld id="{1300335D-9F13-4B80-ADC5-B0EA3E10FF6B}" type="slidenum">
-              <a:rPr lang="en-US" smtClean="0"/>
-              <a:t>15</a:t>
-            </a:fld>
-            <a:endParaRPr lang="en-US"/>
-          </a:p>
-        </p:txBody>
-      </p:sp>
-    </p:spTree>
-    <p:extLst>
-      <p:ext uri="{BB962C8B-B14F-4D97-AF65-F5344CB8AC3E}">
-        <p14:creationId xmlns:p14="http://schemas.microsoft.com/office/powerpoint/2010/main" val="1487323375"/>
-      </p:ext>
-    </p:extLst>
-  </p:cSld>
-  <p:clrMapOvr>
-    <a:masterClrMapping/>
-  </p:clrMapOvr>
-</p:notes>
-</file>
-
-<file path=ppt/notesSlides/notesSlide5.xml><?xml version="1.0" encoding="utf-8"?>
-<p:notes xmlns:a="http://schemas.openxmlformats.org/drawingml/2006/main" xmlns:r="http://schemas.openxmlformats.org/officeDocument/2006/relationships" xmlns:p="http://schemas.openxmlformats.org/presentationml/2006/main">
-  <p:cSld>
-    <p:spTree>
-      <p:nvGrpSpPr>
-        <p:cNvPr id="1" name="">
-          <a:extLst>
-            <a:ext uri="{FF2B5EF4-FFF2-40B4-BE49-F238E27FC236}">
-              <a16:creationId xmlns:a16="http://schemas.microsoft.com/office/drawing/2014/main" id="{6EB2B178-9BF2-6FE4-71B1-D08940B7CF5A}"/>
-            </a:ext>
-          </a:extLst>
-        </p:cNvPr>
-        <p:cNvGrpSpPr/>
-        <p:nvPr/>
-      </p:nvGrpSpPr>
-      <p:grpSpPr>
-        <a:xfrm>
-          <a:off x="0" y="0"/>
-          <a:ext cx="0" cy="0"/>
-          <a:chOff x="0" y="0"/>
-          <a:chExt cx="0" cy="0"/>
-        </a:xfrm>
-      </p:grpSpPr>
-      <p:sp>
-        <p:nvSpPr>
-          <p:cNvPr id="2" name="Slide Image Placeholder 1">
-            <a:extLst>
-              <a:ext uri="{FF2B5EF4-FFF2-40B4-BE49-F238E27FC236}">
-                <a16:creationId xmlns:a16="http://schemas.microsoft.com/office/drawing/2014/main" id="{5CFBB5FA-2773-806B-FC2B-2E67A305699F}"/>
-              </a:ext>
-            </a:extLst>
-          </p:cNvPr>
-          <p:cNvSpPr>
-            <a:spLocks noGrp="1" noRot="1" noChangeAspect="1"/>
-          </p:cNvSpPr>
-          <p:nvPr>
-            <p:ph type="sldImg"/>
-          </p:nvPr>
-        </p:nvSpPr>
-        <p:spPr/>
-      </p:sp>
-      <p:sp>
-        <p:nvSpPr>
-          <p:cNvPr id="3" name="Notes Placeholder 2">
-            <a:extLst>
-              <a:ext uri="{FF2B5EF4-FFF2-40B4-BE49-F238E27FC236}">
-                <a16:creationId xmlns:a16="http://schemas.microsoft.com/office/drawing/2014/main" id="{BF5C56A1-DC22-AF0C-E72D-4D535DA7C58F}"/>
-              </a:ext>
-            </a:extLst>
-          </p:cNvPr>
-          <p:cNvSpPr>
-            <a:spLocks noGrp="1"/>
-          </p:cNvSpPr>
-          <p:nvPr>
-            <p:ph type="body" idx="1"/>
-          </p:nvPr>
-        </p:nvSpPr>
-        <p:spPr/>
-        <p:txBody>
-          <a:bodyPr/>
-          <a:lstStyle/>
-          <a:p>
-            <a:pPr marL="228600" indent="-228600">
-              <a:buAutoNum type="arabicPeriod"/>
-            </a:pPr>
-            <a:r>
-              <a:rPr lang="en-US" dirty="0"/>
-              <a:t>False!</a:t>
-            </a:r>
-          </a:p>
-          <a:p>
-            <a:pPr marL="228600" indent="-228600">
-              <a:buAutoNum type="arabicPeriod"/>
-            </a:pPr>
-            <a:r>
-              <a:rPr lang="en-US" dirty="0"/>
-              <a:t>Function, Formula, Function</a:t>
-            </a:r>
-          </a:p>
-          <a:p>
-            <a:pPr marL="228600" indent="-228600">
-              <a:buAutoNum type="arabicPeriod"/>
-            </a:pPr>
-            <a:r>
-              <a:rPr lang="en-US" dirty="0"/>
-              <a:t>Argument</a:t>
-            </a:r>
-          </a:p>
-        </p:txBody>
-      </p:sp>
-      <p:sp>
-        <p:nvSpPr>
-          <p:cNvPr id="4" name="Slide Number Placeholder 3">
-            <a:extLst>
-              <a:ext uri="{FF2B5EF4-FFF2-40B4-BE49-F238E27FC236}">
-                <a16:creationId xmlns:a16="http://schemas.microsoft.com/office/drawing/2014/main" id="{099270AD-6A83-895A-222F-13E01E65317F}"/>
-              </a:ext>
-            </a:extLst>
-          </p:cNvPr>
-          <p:cNvSpPr>
-            <a:spLocks noGrp="1"/>
-          </p:cNvSpPr>
-          <p:nvPr>
-            <p:ph type="sldNum" sz="quarter" idx="5"/>
-          </p:nvPr>
-        </p:nvSpPr>
-        <p:spPr/>
-        <p:txBody>
-          <a:bodyPr/>
-          <a:lstStyle/>
-          <a:p>
-            <a:fld id="{1300335D-9F13-4B80-ADC5-B0EA3E10FF6B}" type="slidenum">
-              <a:rPr lang="en-US" smtClean="0"/>
-              <a:t>16</a:t>
-            </a:fld>
-            <a:endParaRPr lang="en-US"/>
-          </a:p>
-        </p:txBody>
-      </p:sp>
-    </p:spTree>
-    <p:extLst>
-      <p:ext uri="{BB962C8B-B14F-4D97-AF65-F5344CB8AC3E}">
-        <p14:creationId xmlns:p14="http://schemas.microsoft.com/office/powerpoint/2010/main" val="1010347830"/>
-      </p:ext>
-    </p:extLst>
-  </p:cSld>
-  <p:clrMapOvr>
-    <a:masterClrMapping/>
-  </p:clrMapOvr>
-</p:notes>
-</file>
-
-<file path=ppt/notesSlides/notesSlide6.xml><?xml version="1.0" encoding="utf-8"?>
-<p:notes xmlns:a="http://schemas.openxmlformats.org/drawingml/2006/main" xmlns:r="http://schemas.openxmlformats.org/officeDocument/2006/relationships" xmlns:p="http://schemas.openxmlformats.org/presentationml/2006/main">
-  <p:cSld>
-    <p:spTree>
-      <p:nvGrpSpPr>
-        <p:cNvPr id="1" name="">
-          <a:extLst>
-            <a:ext uri="{FF2B5EF4-FFF2-40B4-BE49-F238E27FC236}">
-              <a16:creationId xmlns:a16="http://schemas.microsoft.com/office/drawing/2014/main" id="{47A067ED-A016-57BA-D224-70AA46D93135}"/>
-            </a:ext>
-          </a:extLst>
-        </p:cNvPr>
-        <p:cNvGrpSpPr/>
-        <p:nvPr/>
-      </p:nvGrpSpPr>
-      <p:grpSpPr>
-        <a:xfrm>
-          <a:off x="0" y="0"/>
-          <a:ext cx="0" cy="0"/>
-          <a:chOff x="0" y="0"/>
-          <a:chExt cx="0" cy="0"/>
-        </a:xfrm>
-      </p:grpSpPr>
-      <p:sp>
-        <p:nvSpPr>
-          <p:cNvPr id="2" name="Slide Image Placeholder 1">
-            <a:extLst>
-              <a:ext uri="{FF2B5EF4-FFF2-40B4-BE49-F238E27FC236}">
-                <a16:creationId xmlns:a16="http://schemas.microsoft.com/office/drawing/2014/main" id="{0651CB7E-3B46-E09F-5FB1-F9BF1476F2B6}"/>
-              </a:ext>
-            </a:extLst>
-          </p:cNvPr>
-          <p:cNvSpPr>
-            <a:spLocks noGrp="1" noRot="1" noChangeAspect="1"/>
-          </p:cNvSpPr>
-          <p:nvPr>
-            <p:ph type="sldImg"/>
-          </p:nvPr>
-        </p:nvSpPr>
-        <p:spPr/>
-      </p:sp>
-      <p:sp>
-        <p:nvSpPr>
-          <p:cNvPr id="3" name="Notes Placeholder 2">
-            <a:extLst>
-              <a:ext uri="{FF2B5EF4-FFF2-40B4-BE49-F238E27FC236}">
-                <a16:creationId xmlns:a16="http://schemas.microsoft.com/office/drawing/2014/main" id="{908012CA-E0D6-FD3E-20B8-D1A73D2FD5EC}"/>
-              </a:ext>
-            </a:extLst>
-          </p:cNvPr>
-          <p:cNvSpPr>
-            <a:spLocks noGrp="1"/>
-          </p:cNvSpPr>
-          <p:nvPr>
-            <p:ph type="body" idx="1"/>
-          </p:nvPr>
-        </p:nvSpPr>
-        <p:spPr/>
-        <p:txBody>
-          <a:bodyPr/>
-          <a:lstStyle/>
-          <a:p>
-            <a:pPr marL="228600" indent="-228600">
-              <a:buAutoNum type="arabicPeriod"/>
-            </a:pPr>
-            <a:r>
-              <a:rPr lang="en-US" dirty="0"/>
-              <a:t>False!</a:t>
-            </a:r>
-          </a:p>
-          <a:p>
-            <a:pPr marL="228600" indent="-228600">
-              <a:buAutoNum type="arabicPeriod"/>
-            </a:pPr>
-            <a:r>
-              <a:rPr lang="en-US" dirty="0"/>
-              <a:t>Function, Formula, Function</a:t>
-            </a:r>
-          </a:p>
-          <a:p>
-            <a:pPr marL="228600" indent="-228600">
-              <a:buAutoNum type="arabicPeriod"/>
-            </a:pPr>
-            <a:r>
-              <a:rPr lang="en-US" dirty="0"/>
-              <a:t>Argument</a:t>
-            </a:r>
-          </a:p>
-        </p:txBody>
-      </p:sp>
-      <p:sp>
-        <p:nvSpPr>
-          <p:cNvPr id="4" name="Slide Number Placeholder 3">
-            <a:extLst>
-              <a:ext uri="{FF2B5EF4-FFF2-40B4-BE49-F238E27FC236}">
-                <a16:creationId xmlns:a16="http://schemas.microsoft.com/office/drawing/2014/main" id="{7B19E27F-BF8C-B30E-1836-79F668127F37}"/>
-              </a:ext>
-            </a:extLst>
-          </p:cNvPr>
-          <p:cNvSpPr>
-            <a:spLocks noGrp="1"/>
-          </p:cNvSpPr>
-          <p:nvPr>
-            <p:ph type="sldNum" sz="quarter" idx="5"/>
-          </p:nvPr>
-        </p:nvSpPr>
-        <p:spPr/>
-        <p:txBody>
-          <a:bodyPr/>
-          <a:lstStyle/>
-          <a:p>
-            <a:fld id="{1300335D-9F13-4B80-ADC5-B0EA3E10FF6B}" type="slidenum">
-              <a:rPr lang="en-US" smtClean="0"/>
-              <a:t>17</a:t>
-            </a:fld>
-            <a:endParaRPr lang="en-US"/>
-          </a:p>
-        </p:txBody>
-      </p:sp>
-    </p:spTree>
-    <p:extLst>
-      <p:ext uri="{BB962C8B-B14F-4D97-AF65-F5344CB8AC3E}">
-        <p14:creationId xmlns:p14="http://schemas.microsoft.com/office/powerpoint/2010/main" val="2557959449"/>
-      </p:ext>
-    </p:extLst>
-  </p:cSld>
-  <p:clrMapOvr>
-    <a:masterClrMapping/>
-  </p:clrMapOvr>
-</p:notes>
 </file>
 
 <file path=ppt/slideLayouts/slideLayout1.xml><?xml version="1.0" encoding="utf-8"?>
@@ -4263,7 +3521,7 @@
                 </a:solidFill>
                 <a:latin typeface="Pragmatica" panose="020B0403040502020204" pitchFamily="34" charset="0"/>
               </a:rPr>
-              <a:t>Python in Excel: Programming Meets Spreadsheets</a:t>
+              <a:t>Dynamic Arrays: Excel Formulas Reinvented</a:t>
             </a:r>
           </a:p>
         </p:txBody>
@@ -4326,7 +3584,352 @@
 </p:sld>
 </file>
 
-<file path=ppt/slides/slide10.xml><?xml version="1.0" encoding="utf-8"?>
+<file path=ppt/slides/slide2.xml><?xml version="1.0" encoding="utf-8"?>
+<p:sld xmlns:a="http://schemas.openxmlformats.org/drawingml/2006/main" xmlns:r="http://schemas.openxmlformats.org/officeDocument/2006/relationships" xmlns:p="http://schemas.openxmlformats.org/presentationml/2006/main">
+  <p:cSld>
+    <p:spTree>
+      <p:nvGrpSpPr>
+        <p:cNvPr id="1" name="">
+          <a:extLst>
+            <a:ext uri="{FF2B5EF4-FFF2-40B4-BE49-F238E27FC236}">
+              <a16:creationId xmlns:a16="http://schemas.microsoft.com/office/drawing/2014/main" id="{B32E3E31-F2F3-5A81-E860-BDE1F2C8749D}"/>
+            </a:ext>
+          </a:extLst>
+        </p:cNvPr>
+        <p:cNvGrpSpPr/>
+        <p:nvPr/>
+      </p:nvGrpSpPr>
+      <p:grpSpPr>
+        <a:xfrm>
+          <a:off x="0" y="0"/>
+          <a:ext cx="0" cy="0"/>
+          <a:chOff x="0" y="0"/>
+          <a:chExt cx="0" cy="0"/>
+        </a:xfrm>
+      </p:grpSpPr>
+      <p:sp>
+        <p:nvSpPr>
+          <p:cNvPr id="11" name="TextBox 10">
+            <a:extLst>
+              <a:ext uri="{FF2B5EF4-FFF2-40B4-BE49-F238E27FC236}">
+                <a16:creationId xmlns:a16="http://schemas.microsoft.com/office/drawing/2014/main" id="{3840A50C-B441-BB60-F269-7BC60CBBD8D3}"/>
+              </a:ext>
+            </a:extLst>
+          </p:cNvPr>
+          <p:cNvSpPr txBox="1"/>
+          <p:nvPr/>
+        </p:nvSpPr>
+        <p:spPr>
+          <a:xfrm>
+            <a:off x="520861" y="170082"/>
+            <a:ext cx="11979797" cy="1477328"/>
+          </a:xfrm>
+          <a:prstGeom prst="rect">
+            <a:avLst/>
+          </a:prstGeom>
+          <a:noFill/>
+        </p:spPr>
+        <p:txBody>
+          <a:bodyPr wrap="square" rtlCol="0">
+            <a:spAutoFit/>
+          </a:bodyPr>
+          <a:lstStyle/>
+          <a:p>
+            <a:r>
+              <a:rPr lang="en-US" sz="9000" dirty="0">
+                <a:latin typeface="Aliens &amp; cows" panose="00000500000000000000" pitchFamily="2" charset="0"/>
+              </a:rPr>
+              <a:t>Warmup</a:t>
+            </a:r>
+          </a:p>
+        </p:txBody>
+      </p:sp>
+      <p:sp>
+        <p:nvSpPr>
+          <p:cNvPr id="3" name="TextBox 2">
+            <a:extLst>
+              <a:ext uri="{FF2B5EF4-FFF2-40B4-BE49-F238E27FC236}">
+                <a16:creationId xmlns:a16="http://schemas.microsoft.com/office/drawing/2014/main" id="{8CECDA14-44E2-672B-867F-1F8525998B3B}"/>
+              </a:ext>
+            </a:extLst>
+          </p:cNvPr>
+          <p:cNvSpPr txBox="1"/>
+          <p:nvPr/>
+        </p:nvSpPr>
+        <p:spPr>
+          <a:xfrm>
+            <a:off x="520861" y="2019300"/>
+            <a:ext cx="14393120" cy="1384995"/>
+          </a:xfrm>
+          <a:prstGeom prst="rect">
+            <a:avLst/>
+          </a:prstGeom>
+          <a:noFill/>
+        </p:spPr>
+        <p:txBody>
+          <a:bodyPr wrap="square" rtlCol="0">
+            <a:spAutoFit/>
+          </a:bodyPr>
+          <a:lstStyle/>
+          <a:p>
+            <a:pPr marL="685800" indent="-685800">
+              <a:buClr>
+                <a:srgbClr val="CF3338"/>
+              </a:buClr>
+              <a:buFont typeface="Arial" panose="020B0604020202020204" pitchFamily="34" charset="0"/>
+              <a:buChar char="•"/>
+            </a:pPr>
+            <a:r>
+              <a:rPr lang="en-US" sz="4200" dirty="0">
+                <a:solidFill>
+                  <a:srgbClr val="707070"/>
+                </a:solidFill>
+                <a:latin typeface="Pragmatica" panose="020B0403040502020204" pitchFamily="34" charset="0"/>
+              </a:rPr>
+              <a:t>What questions do you have about Power Pivot? </a:t>
+            </a:r>
+          </a:p>
+          <a:p>
+            <a:pPr marL="685800" indent="-685800">
+              <a:buClr>
+                <a:srgbClr val="CF3338"/>
+              </a:buClr>
+              <a:buFont typeface="Arial" panose="020B0604020202020204" pitchFamily="34" charset="0"/>
+              <a:buChar char="•"/>
+            </a:pPr>
+            <a:endParaRPr lang="en-US" sz="4200" dirty="0">
+              <a:solidFill>
+                <a:srgbClr val="707070"/>
+              </a:solidFill>
+              <a:latin typeface="Pragmatica" panose="020B0403040502020204" pitchFamily="34" charset="0"/>
+            </a:endParaRPr>
+          </a:p>
+        </p:txBody>
+      </p:sp>
+      <p:pic>
+        <p:nvPicPr>
+          <p:cNvPr id="15" name="Picture 14" descr="A close up of a sign&#10;&#10;Description automatically generated">
+            <a:extLst>
+              <a:ext uri="{FF2B5EF4-FFF2-40B4-BE49-F238E27FC236}">
+                <a16:creationId xmlns:a16="http://schemas.microsoft.com/office/drawing/2014/main" id="{F9407C4B-231D-8459-C9EA-7822F16D204E}"/>
+              </a:ext>
+            </a:extLst>
+          </p:cNvPr>
+          <p:cNvPicPr>
+            <a:picLocks noChangeAspect="1"/>
+          </p:cNvPicPr>
+          <p:nvPr/>
+        </p:nvPicPr>
+        <p:blipFill>
+          <a:blip r:embed="rId2">
+            <a:extLst>
+              <a:ext uri="{28A0092B-C50C-407E-A947-70E740481C1C}">
+                <a14:useLocalDpi xmlns:a14="http://schemas.microsoft.com/office/drawing/2010/main" val="0"/>
+              </a:ext>
+            </a:extLst>
+          </a:blip>
+          <a:stretch>
+            <a:fillRect/>
+          </a:stretch>
+        </p:blipFill>
+        <p:spPr>
+          <a:xfrm>
+            <a:off x="16341036" y="8058429"/>
+            <a:ext cx="1942857" cy="2228571"/>
+          </a:xfrm>
+          <a:prstGeom prst="rect">
+            <a:avLst/>
+          </a:prstGeom>
+        </p:spPr>
+      </p:pic>
+    </p:spTree>
+    <p:extLst>
+      <p:ext uri="{BB962C8B-B14F-4D97-AF65-F5344CB8AC3E}">
+        <p14:creationId xmlns:p14="http://schemas.microsoft.com/office/powerpoint/2010/main" val="3360604476"/>
+      </p:ext>
+    </p:extLst>
+  </p:cSld>
+  <p:clrMapOvr>
+    <a:masterClrMapping/>
+  </p:clrMapOvr>
+</p:sld>
+</file>
+
+<file path=ppt/slides/slide3.xml><?xml version="1.0" encoding="utf-8"?>
+<p:sld xmlns:a="http://schemas.openxmlformats.org/drawingml/2006/main" xmlns:r="http://schemas.openxmlformats.org/officeDocument/2006/relationships" xmlns:p="http://schemas.openxmlformats.org/presentationml/2006/main">
+  <p:cSld>
+    <p:spTree>
+      <p:nvGrpSpPr>
+        <p:cNvPr id="1" name=""/>
+        <p:cNvGrpSpPr/>
+        <p:nvPr/>
+      </p:nvGrpSpPr>
+      <p:grpSpPr>
+        <a:xfrm>
+          <a:off x="0" y="0"/>
+          <a:ext cx="0" cy="0"/>
+          <a:chOff x="0" y="0"/>
+          <a:chExt cx="0" cy="0"/>
+        </a:xfrm>
+      </p:grpSpPr>
+      <p:sp>
+        <p:nvSpPr>
+          <p:cNvPr id="11" name="TextBox 10"/>
+          <p:cNvSpPr txBox="1"/>
+          <p:nvPr/>
+        </p:nvSpPr>
+        <p:spPr>
+          <a:xfrm>
+            <a:off x="520861" y="170082"/>
+            <a:ext cx="11979797" cy="2862322"/>
+          </a:xfrm>
+          <a:prstGeom prst="rect">
+            <a:avLst/>
+          </a:prstGeom>
+          <a:noFill/>
+        </p:spPr>
+        <p:txBody>
+          <a:bodyPr wrap="square" rtlCol="0">
+            <a:spAutoFit/>
+          </a:bodyPr>
+          <a:lstStyle/>
+          <a:p>
+            <a:r>
+              <a:rPr lang="en-US" sz="9000" dirty="0">
+                <a:latin typeface="Aliens &amp; cows" panose="00000500000000000000" pitchFamily="2" charset="0"/>
+              </a:rPr>
+              <a:t>Objectives for this session</a:t>
+            </a:r>
+          </a:p>
+        </p:txBody>
+      </p:sp>
+      <p:sp>
+        <p:nvSpPr>
+          <p:cNvPr id="3" name="TextBox 2"/>
+          <p:cNvSpPr txBox="1"/>
+          <p:nvPr/>
+        </p:nvSpPr>
+        <p:spPr>
+          <a:xfrm>
+            <a:off x="520861" y="3191948"/>
+            <a:ext cx="14393120" cy="2677656"/>
+          </a:xfrm>
+          <a:prstGeom prst="rect">
+            <a:avLst/>
+          </a:prstGeom>
+          <a:noFill/>
+        </p:spPr>
+        <p:txBody>
+          <a:bodyPr wrap="square" rtlCol="0">
+            <a:spAutoFit/>
+          </a:bodyPr>
+          <a:lstStyle/>
+          <a:p>
+            <a:pPr marL="685800" indent="-685800">
+              <a:buClr>
+                <a:srgbClr val="CF3338"/>
+              </a:buClr>
+              <a:buFont typeface="Arial" panose="020B0604020202020204" pitchFamily="34" charset="0"/>
+              <a:buChar char="•"/>
+            </a:pPr>
+            <a:r>
+              <a:rPr lang="en-US" sz="4200" dirty="0">
+                <a:solidFill>
+                  <a:srgbClr val="707070"/>
+                </a:solidFill>
+                <a:latin typeface="Pragmatica" panose="020B0403040502020204" pitchFamily="34" charset="0"/>
+              </a:rPr>
+              <a:t>Use dynamic array functions like SORT(), FILTER(), and UNIQUE() for efficient data analysis.  </a:t>
+            </a:r>
+          </a:p>
+          <a:p>
+            <a:pPr marL="685800" indent="-685800">
+              <a:buClr>
+                <a:srgbClr val="CF3338"/>
+              </a:buClr>
+              <a:buFont typeface="Arial" panose="020B0604020202020204" pitchFamily="34" charset="0"/>
+              <a:buChar char="•"/>
+            </a:pPr>
+            <a:r>
+              <a:rPr lang="en-US" sz="4200" dirty="0">
+                <a:solidFill>
+                  <a:srgbClr val="707070"/>
+                </a:solidFill>
+                <a:latin typeface="Pragmatica" panose="020B0403040502020204" pitchFamily="34" charset="0"/>
+              </a:rPr>
+              <a:t>Automate array updates to eliminate manual adjustments.  </a:t>
+            </a:r>
+          </a:p>
+          <a:p>
+            <a:pPr marL="685800" indent="-685800">
+              <a:buClr>
+                <a:srgbClr val="CF3338"/>
+              </a:buClr>
+              <a:buFont typeface="Arial" panose="020B0604020202020204" pitchFamily="34" charset="0"/>
+              <a:buChar char="•"/>
+            </a:pPr>
+            <a:r>
+              <a:rPr lang="en-US" sz="4200" dirty="0">
+                <a:solidFill>
+                  <a:srgbClr val="707070"/>
+                </a:solidFill>
+                <a:latin typeface="Pragmatica" panose="020B0403040502020204" pitchFamily="34" charset="0"/>
+              </a:rPr>
+              <a:t>Perform advanced lookups with XLOOKUP(). </a:t>
+            </a:r>
+          </a:p>
+        </p:txBody>
+      </p:sp>
+      <p:pic>
+        <p:nvPicPr>
+          <p:cNvPr id="15" name="Picture 14" descr="A close up of a sign&#10;&#10;Description automatically generated">
+            <a:extLst>
+              <a:ext uri="{FF2B5EF4-FFF2-40B4-BE49-F238E27FC236}">
+                <a16:creationId xmlns:a16="http://schemas.microsoft.com/office/drawing/2014/main" id="{29761B90-A7DE-4A60-A915-F085BD87CAB4}"/>
+              </a:ext>
+            </a:extLst>
+          </p:cNvPr>
+          <p:cNvPicPr>
+            <a:picLocks noChangeAspect="1"/>
+          </p:cNvPicPr>
+          <p:nvPr/>
+        </p:nvPicPr>
+        <p:blipFill>
+          <a:blip r:embed="rId2">
+            <a:extLst>
+              <a:ext uri="{28A0092B-C50C-407E-A947-70E740481C1C}">
+                <a14:useLocalDpi xmlns:a14="http://schemas.microsoft.com/office/drawing/2010/main" val="0"/>
+              </a:ext>
+            </a:extLst>
+          </a:blip>
+          <a:stretch>
+            <a:fillRect/>
+          </a:stretch>
+        </p:blipFill>
+        <p:spPr>
+          <a:xfrm>
+            <a:off x="16341036" y="8058429"/>
+            <a:ext cx="1942857" cy="2228571"/>
+          </a:xfrm>
+          <a:prstGeom prst="rect">
+            <a:avLst/>
+          </a:prstGeom>
+        </p:spPr>
+      </p:pic>
+    </p:spTree>
+    <p:extLst>
+      <p:ext uri="{BB962C8B-B14F-4D97-AF65-F5344CB8AC3E}">
+        <p14:creationId xmlns:p14="http://schemas.microsoft.com/office/powerpoint/2010/main" val="3830029867"/>
+      </p:ext>
+    </p:extLst>
+  </p:cSld>
+  <p:clrMapOvr>
+    <a:masterClrMapping/>
+  </p:clrMapOvr>
+</p:sld>
+</file>
+
+<file path=ppt/slides/slide4.xml><?xml version="1.0" encoding="utf-8"?>
 <p:sld xmlns:a="http://schemas.openxmlformats.org/drawingml/2006/main" xmlns:r="http://schemas.openxmlformats.org/officeDocument/2006/relationships" xmlns:p="http://schemas.openxmlformats.org/presentationml/2006/main">
   <p:cSld>
     <p:spTree>
@@ -4474,7 +4077,7 @@
     </p:spTree>
     <p:extLst>
       <p:ext uri="{BB962C8B-B14F-4D97-AF65-F5344CB8AC3E}">
-        <p14:creationId xmlns:p14="http://schemas.microsoft.com/office/powerpoint/2010/main" val="2899625024"/>
+        <p14:creationId xmlns:p14="http://schemas.microsoft.com/office/powerpoint/2010/main" val="1689860732"/>
       </p:ext>
     </p:extLst>
   </p:cSld>
@@ -4484,1461 +4087,7 @@
 </p:sld>
 </file>
 
-<file path=ppt/slides/slide11.xml><?xml version="1.0" encoding="utf-8"?>
-<p:sld xmlns:a="http://schemas.openxmlformats.org/drawingml/2006/main" xmlns:r="http://schemas.openxmlformats.org/officeDocument/2006/relationships" xmlns:p="http://schemas.openxmlformats.org/presentationml/2006/main">
-  <p:cSld>
-    <p:spTree>
-      <p:nvGrpSpPr>
-        <p:cNvPr id="1" name=""/>
-        <p:cNvGrpSpPr/>
-        <p:nvPr/>
-      </p:nvGrpSpPr>
-      <p:grpSpPr>
-        <a:xfrm>
-          <a:off x="0" y="0"/>
-          <a:ext cx="0" cy="0"/>
-          <a:chOff x="0" y="0"/>
-          <a:chExt cx="0" cy="0"/>
-        </a:xfrm>
-      </p:grpSpPr>
-      <p:sp>
-        <p:nvSpPr>
-          <p:cNvPr id="4" name="Rectangle 3"/>
-          <p:cNvSpPr/>
-          <p:nvPr/>
-        </p:nvSpPr>
-        <p:spPr>
-          <a:xfrm>
-            <a:off x="0" y="0"/>
-            <a:ext cx="18288000" cy="10287000"/>
-          </a:xfrm>
-          <a:prstGeom prst="rect">
-            <a:avLst/>
-          </a:prstGeom>
-          <a:solidFill>
-            <a:srgbClr val="CF3338"/>
-          </a:solidFill>
-          <a:ln>
-            <a:noFill/>
-          </a:ln>
-        </p:spPr>
-        <p:style>
-          <a:lnRef idx="2">
-            <a:schemeClr val="accent1">
-              <a:shade val="50000"/>
-            </a:schemeClr>
-          </a:lnRef>
-          <a:fillRef idx="1">
-            <a:schemeClr val="accent1"/>
-          </a:fillRef>
-          <a:effectRef idx="0">
-            <a:schemeClr val="accent1"/>
-          </a:effectRef>
-          <a:fontRef idx="minor">
-            <a:schemeClr val="lt1"/>
-          </a:fontRef>
-        </p:style>
-        <p:txBody>
-          <a:bodyPr rtlCol="0" anchor="ctr"/>
-          <a:lstStyle/>
-          <a:p>
-            <a:pPr algn="ctr"/>
-            <a:endParaRPr lang="en-US" sz="2700"/>
-          </a:p>
-        </p:txBody>
-      </p:sp>
-      <p:sp>
-        <p:nvSpPr>
-          <p:cNvPr id="5" name="TextBox 4"/>
-          <p:cNvSpPr txBox="1"/>
-          <p:nvPr/>
-        </p:nvSpPr>
-        <p:spPr>
-          <a:xfrm>
-            <a:off x="781292" y="590309"/>
-            <a:ext cx="15486926" cy="4662815"/>
-          </a:xfrm>
-          <a:prstGeom prst="rect">
-            <a:avLst/>
-          </a:prstGeom>
-          <a:noFill/>
-        </p:spPr>
-        <p:txBody>
-          <a:bodyPr wrap="square" rtlCol="0">
-            <a:spAutoFit/>
-          </a:bodyPr>
-          <a:lstStyle/>
-          <a:p>
-            <a:r>
-              <a:rPr lang="en-US" sz="9900" b="1" dirty="0">
-                <a:solidFill>
-                  <a:schemeClr val="bg1"/>
-                </a:solidFill>
-                <a:latin typeface="Normafixed Tryout" panose="00000409000000000000" pitchFamily="49" charset="0"/>
-              </a:rPr>
-              <a:t>3. There’s more to Python </a:t>
-            </a:r>
-            <a:r>
-              <a:rPr lang="en-US" sz="9900" b="1" i="1" dirty="0">
-                <a:solidFill>
-                  <a:schemeClr val="bg1"/>
-                </a:solidFill>
-                <a:latin typeface="Normafixed Tryout" panose="00000409000000000000" pitchFamily="49" charset="0"/>
-              </a:rPr>
-              <a:t>and </a:t>
-            </a:r>
-            <a:r>
-              <a:rPr lang="en-US" sz="9900" b="1" dirty="0">
-                <a:solidFill>
-                  <a:schemeClr val="bg1"/>
-                </a:solidFill>
-                <a:latin typeface="Normafixed Tryout" panose="00000409000000000000" pitchFamily="49" charset="0"/>
-              </a:rPr>
-              <a:t>Excel than Python </a:t>
-            </a:r>
-            <a:r>
-              <a:rPr lang="en-US" sz="9900" b="1" i="1" dirty="0">
-                <a:solidFill>
-                  <a:schemeClr val="bg1"/>
-                </a:solidFill>
-                <a:latin typeface="Normafixed Tryout" panose="00000409000000000000" pitchFamily="49" charset="0"/>
-              </a:rPr>
-              <a:t>in </a:t>
-            </a:r>
-            <a:r>
-              <a:rPr lang="en-US" sz="9900" b="1" dirty="0">
-                <a:solidFill>
-                  <a:schemeClr val="bg1"/>
-                </a:solidFill>
-                <a:latin typeface="Normafixed Tryout" panose="00000409000000000000" pitchFamily="49" charset="0"/>
-              </a:rPr>
-              <a:t>Excel</a:t>
-            </a:r>
-          </a:p>
-        </p:txBody>
-      </p:sp>
-    </p:spTree>
-    <p:extLst>
-      <p:ext uri="{BB962C8B-B14F-4D97-AF65-F5344CB8AC3E}">
-        <p14:creationId xmlns:p14="http://schemas.microsoft.com/office/powerpoint/2010/main" val="1915421395"/>
-      </p:ext>
-    </p:extLst>
-  </p:cSld>
-  <p:clrMapOvr>
-    <a:masterClrMapping/>
-  </p:clrMapOvr>
-</p:sld>
-</file>
-
-<file path=ppt/slides/slide12.xml><?xml version="1.0" encoding="utf-8"?>
-<p:sld xmlns:a="http://schemas.openxmlformats.org/drawingml/2006/main" xmlns:r="http://schemas.openxmlformats.org/officeDocument/2006/relationships" xmlns:p="http://schemas.openxmlformats.org/presentationml/2006/main">
-  <p:cSld>
-    <p:spTree>
-      <p:nvGrpSpPr>
-        <p:cNvPr id="1" name=""/>
-        <p:cNvGrpSpPr/>
-        <p:nvPr/>
-      </p:nvGrpSpPr>
-      <p:grpSpPr>
-        <a:xfrm>
-          <a:off x="0" y="0"/>
-          <a:ext cx="0" cy="0"/>
-          <a:chOff x="0" y="0"/>
-          <a:chExt cx="0" cy="0"/>
-        </a:xfrm>
-      </p:grpSpPr>
-      <p:sp>
-        <p:nvSpPr>
-          <p:cNvPr id="4" name="Rectangle 3"/>
-          <p:cNvSpPr/>
-          <p:nvPr/>
-        </p:nvSpPr>
-        <p:spPr>
-          <a:xfrm>
-            <a:off x="9861630" y="0"/>
-            <a:ext cx="8426370" cy="10287000"/>
-          </a:xfrm>
-          <a:prstGeom prst="rect">
-            <a:avLst/>
-          </a:prstGeom>
-          <a:solidFill>
-            <a:srgbClr val="CF3338"/>
-          </a:solidFill>
-          <a:ln>
-            <a:noFill/>
-          </a:ln>
-        </p:spPr>
-        <p:style>
-          <a:lnRef idx="2">
-            <a:schemeClr val="accent1">
-              <a:shade val="50000"/>
-            </a:schemeClr>
-          </a:lnRef>
-          <a:fillRef idx="1">
-            <a:schemeClr val="accent1"/>
-          </a:fillRef>
-          <a:effectRef idx="0">
-            <a:schemeClr val="accent1"/>
-          </a:effectRef>
-          <a:fontRef idx="minor">
-            <a:schemeClr val="lt1"/>
-          </a:fontRef>
-        </p:style>
-        <p:txBody>
-          <a:bodyPr rtlCol="0" anchor="ctr"/>
-          <a:lstStyle/>
-          <a:p>
-            <a:pPr algn="ctr"/>
-            <a:endParaRPr lang="en-US" sz="2700"/>
-          </a:p>
-        </p:txBody>
-      </p:sp>
-      <p:pic>
-        <p:nvPicPr>
-          <p:cNvPr id="2" name="Picture 1"/>
-          <p:cNvPicPr>
-            <a:picLocks noChangeAspect="1"/>
-          </p:cNvPicPr>
-          <p:nvPr/>
-        </p:nvPicPr>
-        <p:blipFill rotWithShape="1">
-          <a:blip r:embed="rId3">
-            <a:extLst>
-              <a:ext uri="{28A0092B-C50C-407E-A947-70E740481C1C}">
-                <a14:useLocalDpi xmlns:a14="http://schemas.microsoft.com/office/drawing/2010/main" val="0"/>
-              </a:ext>
-            </a:extLst>
-          </a:blip>
-          <a:srcRect l="69227" t="33418" r="20112" b="50548"/>
-          <a:stretch/>
-        </p:blipFill>
-        <p:spPr>
-          <a:xfrm>
-            <a:off x="15579524" y="7544693"/>
-            <a:ext cx="2708477" cy="2987579"/>
-          </a:xfrm>
-          <a:prstGeom prst="rect">
-            <a:avLst/>
-          </a:prstGeom>
-        </p:spPr>
-      </p:pic>
-      <p:sp>
-        <p:nvSpPr>
-          <p:cNvPr id="3" name="TextBox 2"/>
-          <p:cNvSpPr txBox="1"/>
-          <p:nvPr/>
-        </p:nvSpPr>
-        <p:spPr>
-          <a:xfrm>
-            <a:off x="260431" y="329879"/>
-            <a:ext cx="8906720" cy="10234084"/>
-          </a:xfrm>
-          <a:prstGeom prst="rect">
-            <a:avLst/>
-          </a:prstGeom>
-          <a:noFill/>
-        </p:spPr>
-        <p:txBody>
-          <a:bodyPr wrap="square" rtlCol="0">
-            <a:spAutoFit/>
-          </a:bodyPr>
-          <a:lstStyle/>
-          <a:p>
-            <a:r>
-              <a:rPr lang="en-US" sz="6000" b="1" dirty="0">
-                <a:solidFill>
-                  <a:srgbClr val="CF3338"/>
-                </a:solidFill>
-                <a:latin typeface="Pragmatica" panose="020B0403040502020204" pitchFamily="34" charset="0"/>
-              </a:rPr>
-              <a:t>There’s more to Python </a:t>
-            </a:r>
-            <a:r>
-              <a:rPr lang="en-US" sz="6000" b="1" i="1" dirty="0">
-                <a:solidFill>
-                  <a:srgbClr val="CF3338"/>
-                </a:solidFill>
-                <a:latin typeface="Pragmatica" panose="020B0403040502020204" pitchFamily="34" charset="0"/>
-              </a:rPr>
-              <a:t>and</a:t>
-            </a:r>
-            <a:r>
-              <a:rPr lang="en-US" sz="6000" b="1" dirty="0">
-                <a:solidFill>
-                  <a:srgbClr val="CF3338"/>
-                </a:solidFill>
-                <a:latin typeface="Pragmatica" panose="020B0403040502020204" pitchFamily="34" charset="0"/>
-              </a:rPr>
-              <a:t> Excel than Python </a:t>
-            </a:r>
-            <a:r>
-              <a:rPr lang="en-US" sz="6000" b="1" i="1" dirty="0">
-                <a:solidFill>
-                  <a:srgbClr val="CF3338"/>
-                </a:solidFill>
-                <a:latin typeface="Pragmatica" panose="020B0403040502020204" pitchFamily="34" charset="0"/>
-              </a:rPr>
-              <a:t>in </a:t>
-            </a:r>
-            <a:r>
-              <a:rPr lang="en-US" sz="6000" b="1" dirty="0">
-                <a:solidFill>
-                  <a:srgbClr val="CF3338"/>
-                </a:solidFill>
-                <a:latin typeface="Pragmatica" panose="020B0403040502020204" pitchFamily="34" charset="0"/>
-              </a:rPr>
-              <a:t>Excel</a:t>
-            </a:r>
-          </a:p>
-          <a:p>
-            <a:endParaRPr lang="en-US" sz="4200" dirty="0">
-              <a:solidFill>
-                <a:srgbClr val="CF3338"/>
-              </a:solidFill>
-              <a:latin typeface="Pragmatica" panose="020B0403040502020204" pitchFamily="34" charset="0"/>
-            </a:endParaRPr>
-          </a:p>
-          <a:p>
-            <a:pPr marL="685800" indent="-542925">
-              <a:lnSpc>
-                <a:spcPct val="115000"/>
-              </a:lnSpc>
-              <a:spcBef>
-                <a:spcPts val="1125"/>
-              </a:spcBef>
-              <a:buClr>
-                <a:srgbClr val="C00000"/>
-              </a:buClr>
-              <a:buSzPts val="2100"/>
-              <a:buFont typeface="Arial"/>
-              <a:buAutoNum type="arabicPeriod"/>
-            </a:pPr>
-            <a:r>
-              <a:rPr lang="en-US" sz="3600" dirty="0">
-                <a:solidFill>
-                  <a:srgbClr val="C00000"/>
-                </a:solidFill>
-                <a:latin typeface="Pragmatica" panose="020B0403040502020204"/>
-                <a:sym typeface="Consolas"/>
-              </a:rPr>
-              <a:t>Python in Excel is all about data analysis, visualization, statistics &amp; ML</a:t>
-            </a:r>
-          </a:p>
-          <a:p>
-            <a:pPr marL="685800" indent="-542925">
-              <a:lnSpc>
-                <a:spcPct val="115000"/>
-              </a:lnSpc>
-              <a:spcBef>
-                <a:spcPts val="1125"/>
-              </a:spcBef>
-              <a:buClr>
-                <a:srgbClr val="C00000"/>
-              </a:buClr>
-              <a:buSzPts val="2100"/>
-              <a:buFont typeface="Arial"/>
-              <a:buAutoNum type="arabicPeriod"/>
-            </a:pPr>
-            <a:r>
-              <a:rPr lang="en-US" sz="3600" dirty="0">
-                <a:solidFill>
-                  <a:srgbClr val="C00000"/>
-                </a:solidFill>
-                <a:latin typeface="Pragmatica" panose="020B0403040502020204"/>
-                <a:sym typeface="Consolas"/>
-              </a:rPr>
-              <a:t>It lacks Excel automation capabilities</a:t>
-            </a:r>
-          </a:p>
-          <a:p>
-            <a:pPr marL="685800" indent="-542925">
-              <a:lnSpc>
-                <a:spcPct val="115000"/>
-              </a:lnSpc>
-              <a:spcBef>
-                <a:spcPts val="1125"/>
-              </a:spcBef>
-              <a:buClr>
-                <a:srgbClr val="C00000"/>
-              </a:buClr>
-              <a:buSzPts val="2100"/>
-              <a:buFont typeface="Arial"/>
-              <a:buAutoNum type="arabicPeriod"/>
-            </a:pPr>
-            <a:r>
-              <a:rPr lang="en-US" sz="3600" dirty="0">
-                <a:solidFill>
-                  <a:srgbClr val="C00000"/>
-                </a:solidFill>
-                <a:latin typeface="Pragmatica" panose="020B0403040502020204"/>
-                <a:sym typeface="Consolas"/>
-              </a:rPr>
-              <a:t>You can automate an entire Excel workbook from Python… without opening Excel!</a:t>
-            </a:r>
-          </a:p>
-          <a:p>
-            <a:pPr marL="685800" indent="-542925">
-              <a:lnSpc>
-                <a:spcPct val="115000"/>
-              </a:lnSpc>
-              <a:spcBef>
-                <a:spcPts val="1125"/>
-              </a:spcBef>
-              <a:buClr>
-                <a:srgbClr val="C00000"/>
-              </a:buClr>
-              <a:buSzPts val="2100"/>
-              <a:buFont typeface="Arial"/>
-              <a:buAutoNum type="arabicPeriod"/>
-            </a:pPr>
-            <a:endParaRPr lang="en-US" sz="3600" dirty="0">
-              <a:solidFill>
-                <a:srgbClr val="C00000"/>
-              </a:solidFill>
-              <a:latin typeface="Pragmatica" panose="020B0403040502020204"/>
-              <a:sym typeface="Consolas"/>
-            </a:endParaRPr>
-          </a:p>
-          <a:p>
-            <a:pPr marL="142875">
-              <a:lnSpc>
-                <a:spcPct val="115000"/>
-              </a:lnSpc>
-              <a:spcBef>
-                <a:spcPts val="1125"/>
-              </a:spcBef>
-              <a:buClr>
-                <a:srgbClr val="C00000"/>
-              </a:buClr>
-              <a:buSzPts val="2100"/>
-            </a:pPr>
-            <a:r>
-              <a:rPr lang="en-US" sz="3600" dirty="0">
-                <a:solidFill>
-                  <a:srgbClr val="C00000"/>
-                </a:solidFill>
-                <a:latin typeface="Pragmatica" panose="020B0403040502020204"/>
-                <a:sym typeface="Consolas"/>
-              </a:rPr>
-              <a:t>File: </a:t>
-            </a:r>
-            <a:r>
-              <a:rPr lang="en-US" sz="3600" dirty="0" err="1">
-                <a:solidFill>
-                  <a:srgbClr val="C00000"/>
-                </a:solidFill>
-                <a:latin typeface="Consolas" panose="020B0609020204030204" pitchFamily="49" charset="0"/>
-                <a:sym typeface="Consolas"/>
-              </a:rPr>
-              <a:t>pae-pie.ipynb</a:t>
-            </a:r>
-            <a:endParaRPr lang="en-US" sz="6000" dirty="0">
-              <a:solidFill>
-                <a:srgbClr val="CF3338"/>
-              </a:solidFill>
-              <a:latin typeface="Consolas" panose="020B0609020204030204" pitchFamily="49" charset="0"/>
-            </a:endParaRPr>
-          </a:p>
-          <a:p>
-            <a:endParaRPr lang="en-US" sz="6000" dirty="0">
-              <a:solidFill>
-                <a:srgbClr val="CF3338"/>
-              </a:solidFill>
-              <a:latin typeface="Pragmatica" panose="020B0403040502020204" pitchFamily="34" charset="0"/>
-            </a:endParaRPr>
-          </a:p>
-        </p:txBody>
-      </p:sp>
-    </p:spTree>
-    <p:extLst>
-      <p:ext uri="{BB962C8B-B14F-4D97-AF65-F5344CB8AC3E}">
-        <p14:creationId xmlns:p14="http://schemas.microsoft.com/office/powerpoint/2010/main" val="2938274525"/>
-      </p:ext>
-    </p:extLst>
-  </p:cSld>
-  <p:clrMapOvr>
-    <a:masterClrMapping/>
-  </p:clrMapOvr>
-</p:sld>
-</file>
-
-<file path=ppt/slides/slide13.xml><?xml version="1.0" encoding="utf-8"?>
-<p:sld xmlns:a="http://schemas.openxmlformats.org/drawingml/2006/main" xmlns:r="http://schemas.openxmlformats.org/officeDocument/2006/relationships" xmlns:p="http://schemas.openxmlformats.org/presentationml/2006/main">
-  <p:cSld>
-    <p:spTree>
-      <p:nvGrpSpPr>
-        <p:cNvPr id="1" name=""/>
-        <p:cNvGrpSpPr/>
-        <p:nvPr/>
-      </p:nvGrpSpPr>
-      <p:grpSpPr>
-        <a:xfrm>
-          <a:off x="0" y="0"/>
-          <a:ext cx="0" cy="0"/>
-          <a:chOff x="0" y="0"/>
-          <a:chExt cx="0" cy="0"/>
-        </a:xfrm>
-      </p:grpSpPr>
-      <p:pic>
-        <p:nvPicPr>
-          <p:cNvPr id="10" name="Picture 9"/>
-          <p:cNvPicPr>
-            <a:picLocks noChangeAspect="1"/>
-          </p:cNvPicPr>
-          <p:nvPr/>
-        </p:nvPicPr>
-        <p:blipFill rotWithShape="1">
-          <a:blip r:embed="rId2">
-            <a:extLst>
-              <a:ext uri="{28A0092B-C50C-407E-A947-70E740481C1C}">
-                <a14:useLocalDpi xmlns:a14="http://schemas.microsoft.com/office/drawing/2010/main" val="0"/>
-              </a:ext>
-            </a:extLst>
-          </a:blip>
-          <a:srcRect l="50728" t="56371"/>
-          <a:stretch/>
-        </p:blipFill>
-        <p:spPr>
-          <a:xfrm>
-            <a:off x="12204691" y="3316148"/>
-            <a:ext cx="6083309" cy="6970854"/>
-          </a:xfrm>
-          <a:prstGeom prst="rect">
-            <a:avLst/>
-          </a:prstGeom>
-        </p:spPr>
-      </p:pic>
-      <p:pic>
-        <p:nvPicPr>
-          <p:cNvPr id="4" name="Picture 3"/>
-          <p:cNvPicPr>
-            <a:picLocks noChangeAspect="1"/>
-          </p:cNvPicPr>
-          <p:nvPr/>
-        </p:nvPicPr>
-        <p:blipFill>
-          <a:blip r:embed="rId3">
-            <a:extLst>
-              <a:ext uri="{28A0092B-C50C-407E-A947-70E740481C1C}">
-                <a14:useLocalDpi xmlns:a14="http://schemas.microsoft.com/office/drawing/2010/main" val="0"/>
-              </a:ext>
-            </a:extLst>
-          </a:blip>
-          <a:stretch>
-            <a:fillRect/>
-          </a:stretch>
-        </p:blipFill>
-        <p:spPr>
-          <a:xfrm>
-            <a:off x="-807744" y="-3724155"/>
-            <a:ext cx="15257208" cy="11189825"/>
-          </a:xfrm>
-          <a:prstGeom prst="rect">
-            <a:avLst/>
-          </a:prstGeom>
-        </p:spPr>
-      </p:pic>
-      <p:sp>
-        <p:nvSpPr>
-          <p:cNvPr id="11" name="TextBox 10"/>
-          <p:cNvSpPr txBox="1"/>
-          <p:nvPr/>
-        </p:nvSpPr>
-        <p:spPr>
-          <a:xfrm>
-            <a:off x="486137" y="2531318"/>
-            <a:ext cx="11979797" cy="923330"/>
-          </a:xfrm>
-          <a:prstGeom prst="rect">
-            <a:avLst/>
-          </a:prstGeom>
-          <a:noFill/>
-        </p:spPr>
-        <p:txBody>
-          <a:bodyPr wrap="square" rtlCol="0">
-            <a:spAutoFit/>
-          </a:bodyPr>
-          <a:lstStyle/>
-          <a:p>
-            <a:r>
-              <a:rPr lang="en-US" sz="5400" b="1" dirty="0">
-                <a:solidFill>
-                  <a:srgbClr val="CF3338"/>
-                </a:solidFill>
-                <a:latin typeface="Pragmatica" panose="020B0403040502020204" pitchFamily="34" charset="0"/>
-              </a:rPr>
-              <a:t>Questions?</a:t>
-            </a:r>
-          </a:p>
-        </p:txBody>
-      </p:sp>
-      <p:pic>
-        <p:nvPicPr>
-          <p:cNvPr id="5" name="Picture 4">
-            <a:extLst>
-              <a:ext uri="{FF2B5EF4-FFF2-40B4-BE49-F238E27FC236}">
-                <a16:creationId xmlns:a16="http://schemas.microsoft.com/office/drawing/2014/main" id="{54A06221-5316-4BCF-9FDA-BDB95FF4A778}"/>
-              </a:ext>
-            </a:extLst>
-          </p:cNvPr>
-          <p:cNvPicPr>
-            <a:picLocks noChangeAspect="1"/>
-          </p:cNvPicPr>
-          <p:nvPr/>
-        </p:nvPicPr>
-        <p:blipFill>
-          <a:blip r:embed="rId4">
-            <a:extLst>
-              <a:ext uri="{28A0092B-C50C-407E-A947-70E740481C1C}">
-                <a14:useLocalDpi xmlns:a14="http://schemas.microsoft.com/office/drawing/2010/main" val="0"/>
-              </a:ext>
-            </a:extLst>
-          </a:blip>
-          <a:srcRect/>
-          <a:stretch/>
-        </p:blipFill>
-        <p:spPr>
-          <a:xfrm>
-            <a:off x="12204691" y="3317239"/>
-            <a:ext cx="6083309" cy="6968672"/>
-          </a:xfrm>
-          <a:prstGeom prst="rect">
-            <a:avLst/>
-          </a:prstGeom>
-        </p:spPr>
-      </p:pic>
-    </p:spTree>
-    <p:extLst>
-      <p:ext uri="{BB962C8B-B14F-4D97-AF65-F5344CB8AC3E}">
-        <p14:creationId xmlns:p14="http://schemas.microsoft.com/office/powerpoint/2010/main" val="59831101"/>
-      </p:ext>
-    </p:extLst>
-  </p:cSld>
-  <p:clrMapOvr>
-    <a:masterClrMapping/>
-  </p:clrMapOvr>
-</p:sld>
-</file>
-
-<file path=ppt/slides/slide14.xml><?xml version="1.0" encoding="utf-8"?>
-<p:sld xmlns:a="http://schemas.openxmlformats.org/drawingml/2006/main" xmlns:r="http://schemas.openxmlformats.org/officeDocument/2006/relationships" xmlns:p="http://schemas.openxmlformats.org/presentationml/2006/main">
-  <p:cSld>
-    <p:spTree>
-      <p:nvGrpSpPr>
-        <p:cNvPr id="1" name="">
-          <a:extLst>
-            <a:ext uri="{FF2B5EF4-FFF2-40B4-BE49-F238E27FC236}">
-              <a16:creationId xmlns:a16="http://schemas.microsoft.com/office/drawing/2014/main" id="{E85323C9-D5F7-C820-78B9-E169BDF2311C}"/>
-            </a:ext>
-          </a:extLst>
-        </p:cNvPr>
-        <p:cNvGrpSpPr/>
-        <p:nvPr/>
-      </p:nvGrpSpPr>
-      <p:grpSpPr>
-        <a:xfrm>
-          <a:off x="0" y="0"/>
-          <a:ext cx="0" cy="0"/>
-          <a:chOff x="0" y="0"/>
-          <a:chExt cx="0" cy="0"/>
-        </a:xfrm>
-      </p:grpSpPr>
-      <p:sp>
-        <p:nvSpPr>
-          <p:cNvPr id="4" name="Rectangle 3">
-            <a:extLst>
-              <a:ext uri="{FF2B5EF4-FFF2-40B4-BE49-F238E27FC236}">
-                <a16:creationId xmlns:a16="http://schemas.microsoft.com/office/drawing/2014/main" id="{28971779-1F50-1702-DEC1-87CD482189F0}"/>
-              </a:ext>
-            </a:extLst>
-          </p:cNvPr>
-          <p:cNvSpPr/>
-          <p:nvPr/>
-        </p:nvSpPr>
-        <p:spPr>
-          <a:xfrm>
-            <a:off x="0" y="0"/>
-            <a:ext cx="18288000" cy="10287000"/>
-          </a:xfrm>
-          <a:prstGeom prst="rect">
-            <a:avLst/>
-          </a:prstGeom>
-          <a:solidFill>
-            <a:srgbClr val="CF3338"/>
-          </a:solidFill>
-          <a:ln>
-            <a:noFill/>
-          </a:ln>
-        </p:spPr>
-        <p:style>
-          <a:lnRef idx="2">
-            <a:schemeClr val="accent1">
-              <a:shade val="50000"/>
-            </a:schemeClr>
-          </a:lnRef>
-          <a:fillRef idx="1">
-            <a:schemeClr val="accent1"/>
-          </a:fillRef>
-          <a:effectRef idx="0">
-            <a:schemeClr val="accent1"/>
-          </a:effectRef>
-          <a:fontRef idx="minor">
-            <a:schemeClr val="lt1"/>
-          </a:fontRef>
-        </p:style>
-        <p:txBody>
-          <a:bodyPr rtlCol="0" anchor="ctr"/>
-          <a:lstStyle/>
-          <a:p>
-            <a:pPr algn="ctr"/>
-            <a:endParaRPr lang="en-US" sz="2700"/>
-          </a:p>
-        </p:txBody>
-      </p:sp>
-      <p:sp>
-        <p:nvSpPr>
-          <p:cNvPr id="5" name="TextBox 4">
-            <a:extLst>
-              <a:ext uri="{FF2B5EF4-FFF2-40B4-BE49-F238E27FC236}">
-                <a16:creationId xmlns:a16="http://schemas.microsoft.com/office/drawing/2014/main" id="{5ECC4C7B-C529-5329-03AC-796804551DC1}"/>
-              </a:ext>
-            </a:extLst>
-          </p:cNvPr>
-          <p:cNvSpPr txBox="1"/>
-          <p:nvPr/>
-        </p:nvSpPr>
-        <p:spPr>
-          <a:xfrm>
-            <a:off x="781292" y="590309"/>
-            <a:ext cx="15486926" cy="1615827"/>
-          </a:xfrm>
-          <a:prstGeom prst="rect">
-            <a:avLst/>
-          </a:prstGeom>
-          <a:noFill/>
-        </p:spPr>
-        <p:txBody>
-          <a:bodyPr wrap="square" rtlCol="0">
-            <a:spAutoFit/>
-          </a:bodyPr>
-          <a:lstStyle/>
-          <a:p>
-            <a:r>
-              <a:rPr lang="en-US" sz="9900" b="1" dirty="0">
-                <a:solidFill>
-                  <a:schemeClr val="bg1"/>
-                </a:solidFill>
-                <a:latin typeface="Normafixed Tryout" panose="00000409000000000000" pitchFamily="49" charset="0"/>
-              </a:rPr>
-              <a:t>4. Conclusion</a:t>
-            </a:r>
-          </a:p>
-        </p:txBody>
-      </p:sp>
-    </p:spTree>
-    <p:extLst>
-      <p:ext uri="{BB962C8B-B14F-4D97-AF65-F5344CB8AC3E}">
-        <p14:creationId xmlns:p14="http://schemas.microsoft.com/office/powerpoint/2010/main" val="358064314"/>
-      </p:ext>
-    </p:extLst>
-  </p:cSld>
-  <p:clrMapOvr>
-    <a:masterClrMapping/>
-  </p:clrMapOvr>
-</p:sld>
-</file>
-
-<file path=ppt/slides/slide15.xml><?xml version="1.0" encoding="utf-8"?>
-<p:sld xmlns:a="http://schemas.openxmlformats.org/drawingml/2006/main" xmlns:r="http://schemas.openxmlformats.org/officeDocument/2006/relationships" xmlns:p="http://schemas.openxmlformats.org/presentationml/2006/main">
-  <p:cSld>
-    <p:spTree>
-      <p:nvGrpSpPr>
-        <p:cNvPr id="1" name="">
-          <a:extLst>
-            <a:ext uri="{FF2B5EF4-FFF2-40B4-BE49-F238E27FC236}">
-              <a16:creationId xmlns:a16="http://schemas.microsoft.com/office/drawing/2014/main" id="{556CB9BC-ABA6-103A-715B-D3B9A4577CCE}"/>
-            </a:ext>
-          </a:extLst>
-        </p:cNvPr>
-        <p:cNvGrpSpPr/>
-        <p:nvPr/>
-      </p:nvGrpSpPr>
-      <p:grpSpPr>
-        <a:xfrm>
-          <a:off x="0" y="0"/>
-          <a:ext cx="0" cy="0"/>
-          <a:chOff x="0" y="0"/>
-          <a:chExt cx="0" cy="0"/>
-        </a:xfrm>
-      </p:grpSpPr>
-      <p:sp>
-        <p:nvSpPr>
-          <p:cNvPr id="4" name="Rectangle 3">
-            <a:extLst>
-              <a:ext uri="{FF2B5EF4-FFF2-40B4-BE49-F238E27FC236}">
-                <a16:creationId xmlns:a16="http://schemas.microsoft.com/office/drawing/2014/main" id="{DADD1AF2-9FDD-94D8-80B6-5B4D41D189A9}"/>
-              </a:ext>
-            </a:extLst>
-          </p:cNvPr>
-          <p:cNvSpPr/>
-          <p:nvPr/>
-        </p:nvSpPr>
-        <p:spPr>
-          <a:xfrm>
-            <a:off x="9861630" y="0"/>
-            <a:ext cx="8426370" cy="10287000"/>
-          </a:xfrm>
-          <a:prstGeom prst="rect">
-            <a:avLst/>
-          </a:prstGeom>
-          <a:solidFill>
-            <a:srgbClr val="CF3338"/>
-          </a:solidFill>
-          <a:ln>
-            <a:noFill/>
-          </a:ln>
-        </p:spPr>
-        <p:style>
-          <a:lnRef idx="2">
-            <a:schemeClr val="accent1">
-              <a:shade val="50000"/>
-            </a:schemeClr>
-          </a:lnRef>
-          <a:fillRef idx="1">
-            <a:schemeClr val="accent1"/>
-          </a:fillRef>
-          <a:effectRef idx="0">
-            <a:schemeClr val="accent1"/>
-          </a:effectRef>
-          <a:fontRef idx="minor">
-            <a:schemeClr val="lt1"/>
-          </a:fontRef>
-        </p:style>
-        <p:txBody>
-          <a:bodyPr rtlCol="0" anchor="ctr"/>
-          <a:lstStyle/>
-          <a:p>
-            <a:pPr algn="ctr"/>
-            <a:endParaRPr lang="en-US" sz="2700"/>
-          </a:p>
-        </p:txBody>
-      </p:sp>
-      <p:pic>
-        <p:nvPicPr>
-          <p:cNvPr id="2" name="Picture 1">
-            <a:extLst>
-              <a:ext uri="{FF2B5EF4-FFF2-40B4-BE49-F238E27FC236}">
-                <a16:creationId xmlns:a16="http://schemas.microsoft.com/office/drawing/2014/main" id="{B995B80C-F573-6FA2-163B-B895205BFF2A}"/>
-              </a:ext>
-            </a:extLst>
-          </p:cNvPr>
-          <p:cNvPicPr>
-            <a:picLocks noChangeAspect="1"/>
-          </p:cNvPicPr>
-          <p:nvPr/>
-        </p:nvPicPr>
-        <p:blipFill rotWithShape="1">
-          <a:blip r:embed="rId3">
-            <a:extLst>
-              <a:ext uri="{28A0092B-C50C-407E-A947-70E740481C1C}">
-                <a14:useLocalDpi xmlns:a14="http://schemas.microsoft.com/office/drawing/2010/main" val="0"/>
-              </a:ext>
-            </a:extLst>
-          </a:blip>
-          <a:srcRect l="69227" t="33418" r="20112" b="50548"/>
-          <a:stretch/>
-        </p:blipFill>
-        <p:spPr>
-          <a:xfrm>
-            <a:off x="15579524" y="7544693"/>
-            <a:ext cx="2708477" cy="2987579"/>
-          </a:xfrm>
-          <a:prstGeom prst="rect">
-            <a:avLst/>
-          </a:prstGeom>
-        </p:spPr>
-      </p:pic>
-      <p:sp>
-        <p:nvSpPr>
-          <p:cNvPr id="3" name="TextBox 2">
-            <a:extLst>
-              <a:ext uri="{FF2B5EF4-FFF2-40B4-BE49-F238E27FC236}">
-                <a16:creationId xmlns:a16="http://schemas.microsoft.com/office/drawing/2014/main" id="{1B972C77-007E-B6EB-C801-5C7906650F63}"/>
-              </a:ext>
-            </a:extLst>
-          </p:cNvPr>
-          <p:cNvSpPr txBox="1"/>
-          <p:nvPr/>
-        </p:nvSpPr>
-        <p:spPr>
-          <a:xfrm>
-            <a:off x="260431" y="329879"/>
-            <a:ext cx="8906720" cy="1938992"/>
-          </a:xfrm>
-          <a:prstGeom prst="rect">
-            <a:avLst/>
-          </a:prstGeom>
-          <a:noFill/>
-        </p:spPr>
-        <p:txBody>
-          <a:bodyPr wrap="square" rtlCol="0">
-            <a:spAutoFit/>
-          </a:bodyPr>
-          <a:lstStyle/>
-          <a:p>
-            <a:r>
-              <a:rPr lang="en-US" sz="6000" b="1" dirty="0">
-                <a:solidFill>
-                  <a:srgbClr val="CF3338"/>
-                </a:solidFill>
-                <a:latin typeface="Pragmatica" panose="020B0403040502020204" pitchFamily="34" charset="0"/>
-              </a:rPr>
-              <a:t>Resource: </a:t>
-            </a:r>
-            <a:r>
-              <a:rPr lang="en-US" sz="6000" b="1" i="1" dirty="0">
-                <a:solidFill>
-                  <a:srgbClr val="CF3338"/>
-                </a:solidFill>
-                <a:latin typeface="Pragmatica" panose="020B0403040502020204" pitchFamily="34" charset="0"/>
-              </a:rPr>
-              <a:t>Python for Excel</a:t>
-            </a:r>
-          </a:p>
-          <a:p>
-            <a:r>
-              <a:rPr lang="en-US" sz="6000" b="1" dirty="0">
-                <a:solidFill>
-                  <a:srgbClr val="CF3338"/>
-                </a:solidFill>
-                <a:latin typeface="Pragmatica" panose="020B0403040502020204" pitchFamily="34" charset="0"/>
-              </a:rPr>
-              <a:t>xlwings.org/book</a:t>
-            </a:r>
-          </a:p>
-        </p:txBody>
-      </p:sp>
-      <p:pic>
-        <p:nvPicPr>
-          <p:cNvPr id="1026" name="Picture 2" descr="Python for Excel">
-            <a:extLst>
-              <a:ext uri="{FF2B5EF4-FFF2-40B4-BE49-F238E27FC236}">
-                <a16:creationId xmlns:a16="http://schemas.microsoft.com/office/drawing/2014/main" id="{80644A9C-C912-1443-B13D-FF6D068A9C43}"/>
-              </a:ext>
-            </a:extLst>
-          </p:cNvPr>
-          <p:cNvPicPr>
-            <a:picLocks noChangeAspect="1" noChangeArrowheads="1"/>
-          </p:cNvPicPr>
-          <p:nvPr/>
-        </p:nvPicPr>
-        <p:blipFill>
-          <a:blip r:embed="rId4">
-            <a:extLst>
-              <a:ext uri="{28A0092B-C50C-407E-A947-70E740481C1C}">
-                <a14:useLocalDpi xmlns:a14="http://schemas.microsoft.com/office/drawing/2010/main" val="0"/>
-              </a:ext>
-            </a:extLst>
-          </a:blip>
-          <a:srcRect/>
-          <a:stretch>
-            <a:fillRect/>
-          </a:stretch>
-        </p:blipFill>
-        <p:spPr bwMode="auto">
-          <a:xfrm>
-            <a:off x="762000" y="4457700"/>
-            <a:ext cx="4064000" cy="5334000"/>
-          </a:xfrm>
-          <a:prstGeom prst="rect">
-            <a:avLst/>
-          </a:prstGeom>
-          <a:noFill/>
-          <a:extLst>
-            <a:ext uri="{909E8E84-426E-40DD-AFC4-6F175D3DCCD1}">
-              <a14:hiddenFill xmlns:a14="http://schemas.microsoft.com/office/drawing/2010/main">
-                <a:solidFill>
-                  <a:srgbClr val="FFFFFF"/>
-                </a:solidFill>
-              </a14:hiddenFill>
-            </a:ext>
-          </a:extLst>
-        </p:spPr>
-      </p:pic>
-    </p:spTree>
-    <p:extLst>
-      <p:ext uri="{BB962C8B-B14F-4D97-AF65-F5344CB8AC3E}">
-        <p14:creationId xmlns:p14="http://schemas.microsoft.com/office/powerpoint/2010/main" val="1685889966"/>
-      </p:ext>
-    </p:extLst>
-  </p:cSld>
-  <p:clrMapOvr>
-    <a:masterClrMapping/>
-  </p:clrMapOvr>
-</p:sld>
-</file>
-
-<file path=ppt/slides/slide16.xml><?xml version="1.0" encoding="utf-8"?>
-<p:sld xmlns:a="http://schemas.openxmlformats.org/drawingml/2006/main" xmlns:r="http://schemas.openxmlformats.org/officeDocument/2006/relationships" xmlns:p="http://schemas.openxmlformats.org/presentationml/2006/main">
-  <p:cSld>
-    <p:spTree>
-      <p:nvGrpSpPr>
-        <p:cNvPr id="1" name="">
-          <a:extLst>
-            <a:ext uri="{FF2B5EF4-FFF2-40B4-BE49-F238E27FC236}">
-              <a16:creationId xmlns:a16="http://schemas.microsoft.com/office/drawing/2014/main" id="{1DCEF581-6BA9-4461-08BA-6D16F65F3328}"/>
-            </a:ext>
-          </a:extLst>
-        </p:cNvPr>
-        <p:cNvGrpSpPr/>
-        <p:nvPr/>
-      </p:nvGrpSpPr>
-      <p:grpSpPr>
-        <a:xfrm>
-          <a:off x="0" y="0"/>
-          <a:ext cx="0" cy="0"/>
-          <a:chOff x="0" y="0"/>
-          <a:chExt cx="0" cy="0"/>
-        </a:xfrm>
-      </p:grpSpPr>
-      <p:sp>
-        <p:nvSpPr>
-          <p:cNvPr id="4" name="Rectangle 3">
-            <a:extLst>
-              <a:ext uri="{FF2B5EF4-FFF2-40B4-BE49-F238E27FC236}">
-                <a16:creationId xmlns:a16="http://schemas.microsoft.com/office/drawing/2014/main" id="{086DF1D7-4393-B6A7-D04C-55B1E5B8B731}"/>
-              </a:ext>
-            </a:extLst>
-          </p:cNvPr>
-          <p:cNvSpPr/>
-          <p:nvPr/>
-        </p:nvSpPr>
-        <p:spPr>
-          <a:xfrm>
-            <a:off x="9861630" y="0"/>
-            <a:ext cx="8426370" cy="10287000"/>
-          </a:xfrm>
-          <a:prstGeom prst="rect">
-            <a:avLst/>
-          </a:prstGeom>
-          <a:solidFill>
-            <a:srgbClr val="CF3338"/>
-          </a:solidFill>
-          <a:ln>
-            <a:noFill/>
-          </a:ln>
-        </p:spPr>
-        <p:style>
-          <a:lnRef idx="2">
-            <a:schemeClr val="accent1">
-              <a:shade val="50000"/>
-            </a:schemeClr>
-          </a:lnRef>
-          <a:fillRef idx="1">
-            <a:schemeClr val="accent1"/>
-          </a:fillRef>
-          <a:effectRef idx="0">
-            <a:schemeClr val="accent1"/>
-          </a:effectRef>
-          <a:fontRef idx="minor">
-            <a:schemeClr val="lt1"/>
-          </a:fontRef>
-        </p:style>
-        <p:txBody>
-          <a:bodyPr rtlCol="0" anchor="ctr"/>
-          <a:lstStyle/>
-          <a:p>
-            <a:pPr algn="ctr"/>
-            <a:endParaRPr lang="en-US" sz="2700"/>
-          </a:p>
-        </p:txBody>
-      </p:sp>
-      <p:pic>
-        <p:nvPicPr>
-          <p:cNvPr id="2" name="Picture 1">
-            <a:extLst>
-              <a:ext uri="{FF2B5EF4-FFF2-40B4-BE49-F238E27FC236}">
-                <a16:creationId xmlns:a16="http://schemas.microsoft.com/office/drawing/2014/main" id="{310EF924-3C1C-4586-5E9A-2810C5DAD7C2}"/>
-              </a:ext>
-            </a:extLst>
-          </p:cNvPr>
-          <p:cNvPicPr>
-            <a:picLocks noChangeAspect="1"/>
-          </p:cNvPicPr>
-          <p:nvPr/>
-        </p:nvPicPr>
-        <p:blipFill rotWithShape="1">
-          <a:blip r:embed="rId3">
-            <a:extLst>
-              <a:ext uri="{28A0092B-C50C-407E-A947-70E740481C1C}">
-                <a14:useLocalDpi xmlns:a14="http://schemas.microsoft.com/office/drawing/2010/main" val="0"/>
-              </a:ext>
-            </a:extLst>
-          </a:blip>
-          <a:srcRect l="69227" t="33418" r="20112" b="50548"/>
-          <a:stretch/>
-        </p:blipFill>
-        <p:spPr>
-          <a:xfrm>
-            <a:off x="15579524" y="7544693"/>
-            <a:ext cx="2708477" cy="2987579"/>
-          </a:xfrm>
-          <a:prstGeom prst="rect">
-            <a:avLst/>
-          </a:prstGeom>
-        </p:spPr>
-      </p:pic>
-      <p:sp>
-        <p:nvSpPr>
-          <p:cNvPr id="3" name="TextBox 2">
-            <a:extLst>
-              <a:ext uri="{FF2B5EF4-FFF2-40B4-BE49-F238E27FC236}">
-                <a16:creationId xmlns:a16="http://schemas.microsoft.com/office/drawing/2014/main" id="{9C1992D3-0543-2919-A641-F8327941676A}"/>
-              </a:ext>
-            </a:extLst>
-          </p:cNvPr>
-          <p:cNvSpPr txBox="1"/>
-          <p:nvPr/>
-        </p:nvSpPr>
-        <p:spPr>
-          <a:xfrm>
-            <a:off x="260431" y="329879"/>
-            <a:ext cx="8906720" cy="2769989"/>
-          </a:xfrm>
-          <a:prstGeom prst="rect">
-            <a:avLst/>
-          </a:prstGeom>
-          <a:noFill/>
-        </p:spPr>
-        <p:txBody>
-          <a:bodyPr wrap="square" rtlCol="0">
-            <a:spAutoFit/>
-          </a:bodyPr>
-          <a:lstStyle/>
-          <a:p>
-            <a:r>
-              <a:rPr lang="en-US" sz="6000" b="1" dirty="0">
-                <a:solidFill>
-                  <a:srgbClr val="CF3338"/>
-                </a:solidFill>
-                <a:latin typeface="Pragmatica" panose="020B0403040502020204" pitchFamily="34" charset="0"/>
-              </a:rPr>
-              <a:t>Resource: </a:t>
-            </a:r>
-            <a:r>
-              <a:rPr lang="en-US" sz="6000" b="1" i="1" dirty="0">
-                <a:solidFill>
-                  <a:srgbClr val="CF3338"/>
-                </a:solidFill>
-                <a:latin typeface="Pragmatica" panose="020B0403040502020204" pitchFamily="34" charset="0"/>
-              </a:rPr>
-              <a:t>Advancing into Analytics</a:t>
-            </a:r>
-          </a:p>
-          <a:p>
-            <a:r>
-              <a:rPr lang="en-US" sz="5400" b="1" dirty="0">
-                <a:solidFill>
-                  <a:srgbClr val="CF3338"/>
-                </a:solidFill>
-                <a:latin typeface="Pragmatica" panose="020B0403040502020204" pitchFamily="34" charset="0"/>
-              </a:rPr>
-              <a:t>stringfestanalytics.com/book/</a:t>
-            </a:r>
-          </a:p>
-        </p:txBody>
-      </p:sp>
-      <p:pic>
-        <p:nvPicPr>
-          <p:cNvPr id="2050" name="Picture 2" descr="Advancing into Analytics">
-            <a:extLst>
-              <a:ext uri="{FF2B5EF4-FFF2-40B4-BE49-F238E27FC236}">
-                <a16:creationId xmlns:a16="http://schemas.microsoft.com/office/drawing/2014/main" id="{5C03E10B-C7DA-1326-28F0-7E1E8E279675}"/>
-              </a:ext>
-            </a:extLst>
-          </p:cNvPr>
-          <p:cNvPicPr>
-            <a:picLocks noChangeAspect="1" noChangeArrowheads="1"/>
-          </p:cNvPicPr>
-          <p:nvPr/>
-        </p:nvPicPr>
-        <p:blipFill>
-          <a:blip r:embed="rId4">
-            <a:extLst>
-              <a:ext uri="{28A0092B-C50C-407E-A947-70E740481C1C}">
-                <a14:useLocalDpi xmlns:a14="http://schemas.microsoft.com/office/drawing/2010/main" val="0"/>
-              </a:ext>
-            </a:extLst>
-          </a:blip>
-          <a:srcRect/>
-          <a:stretch>
-            <a:fillRect/>
-          </a:stretch>
-        </p:blipFill>
-        <p:spPr bwMode="auto">
-          <a:xfrm>
-            <a:off x="381000" y="4744342"/>
-            <a:ext cx="4038600" cy="5300663"/>
-          </a:xfrm>
-          <a:prstGeom prst="rect">
-            <a:avLst/>
-          </a:prstGeom>
-          <a:noFill/>
-          <a:extLst>
-            <a:ext uri="{909E8E84-426E-40DD-AFC4-6F175D3DCCD1}">
-              <a14:hiddenFill xmlns:a14="http://schemas.microsoft.com/office/drawing/2010/main">
-                <a:solidFill>
-                  <a:srgbClr val="FFFFFF"/>
-                </a:solidFill>
-              </a14:hiddenFill>
-            </a:ext>
-          </a:extLst>
-        </p:spPr>
-      </p:pic>
-    </p:spTree>
-    <p:extLst>
-      <p:ext uri="{BB962C8B-B14F-4D97-AF65-F5344CB8AC3E}">
-        <p14:creationId xmlns:p14="http://schemas.microsoft.com/office/powerpoint/2010/main" val="3944043099"/>
-      </p:ext>
-    </p:extLst>
-  </p:cSld>
-  <p:clrMapOvr>
-    <a:masterClrMapping/>
-  </p:clrMapOvr>
-</p:sld>
-</file>
-
-<file path=ppt/slides/slide17.xml><?xml version="1.0" encoding="utf-8"?>
-<p:sld xmlns:a="http://schemas.openxmlformats.org/drawingml/2006/main" xmlns:r="http://schemas.openxmlformats.org/officeDocument/2006/relationships" xmlns:p="http://schemas.openxmlformats.org/presentationml/2006/main">
-  <p:cSld>
-    <p:spTree>
-      <p:nvGrpSpPr>
-        <p:cNvPr id="1" name="">
-          <a:extLst>
-            <a:ext uri="{FF2B5EF4-FFF2-40B4-BE49-F238E27FC236}">
-              <a16:creationId xmlns:a16="http://schemas.microsoft.com/office/drawing/2014/main" id="{46D09396-561B-D643-3556-69CA2D751CD8}"/>
-            </a:ext>
-          </a:extLst>
-        </p:cNvPr>
-        <p:cNvGrpSpPr/>
-        <p:nvPr/>
-      </p:nvGrpSpPr>
-      <p:grpSpPr>
-        <a:xfrm>
-          <a:off x="0" y="0"/>
-          <a:ext cx="0" cy="0"/>
-          <a:chOff x="0" y="0"/>
-          <a:chExt cx="0" cy="0"/>
-        </a:xfrm>
-      </p:grpSpPr>
-      <p:sp>
-        <p:nvSpPr>
-          <p:cNvPr id="4" name="Rectangle 3">
-            <a:extLst>
-              <a:ext uri="{FF2B5EF4-FFF2-40B4-BE49-F238E27FC236}">
-                <a16:creationId xmlns:a16="http://schemas.microsoft.com/office/drawing/2014/main" id="{EFDC6CDF-AB13-8B48-8A7F-18C08F171B56}"/>
-              </a:ext>
-            </a:extLst>
-          </p:cNvPr>
-          <p:cNvSpPr/>
-          <p:nvPr/>
-        </p:nvSpPr>
-        <p:spPr>
-          <a:xfrm>
-            <a:off x="9861630" y="0"/>
-            <a:ext cx="8426370" cy="10287000"/>
-          </a:xfrm>
-          <a:prstGeom prst="rect">
-            <a:avLst/>
-          </a:prstGeom>
-          <a:solidFill>
-            <a:srgbClr val="CF3338"/>
-          </a:solidFill>
-          <a:ln>
-            <a:noFill/>
-          </a:ln>
-        </p:spPr>
-        <p:style>
-          <a:lnRef idx="2">
-            <a:schemeClr val="accent1">
-              <a:shade val="50000"/>
-            </a:schemeClr>
-          </a:lnRef>
-          <a:fillRef idx="1">
-            <a:schemeClr val="accent1"/>
-          </a:fillRef>
-          <a:effectRef idx="0">
-            <a:schemeClr val="accent1"/>
-          </a:effectRef>
-          <a:fontRef idx="minor">
-            <a:schemeClr val="lt1"/>
-          </a:fontRef>
-        </p:style>
-        <p:txBody>
-          <a:bodyPr rtlCol="0" anchor="ctr"/>
-          <a:lstStyle/>
-          <a:p>
-            <a:pPr algn="ctr"/>
-            <a:endParaRPr lang="en-US" sz="2700"/>
-          </a:p>
-        </p:txBody>
-      </p:sp>
-      <p:pic>
-        <p:nvPicPr>
-          <p:cNvPr id="2" name="Picture 1">
-            <a:extLst>
-              <a:ext uri="{FF2B5EF4-FFF2-40B4-BE49-F238E27FC236}">
-                <a16:creationId xmlns:a16="http://schemas.microsoft.com/office/drawing/2014/main" id="{B2D9A9A4-C796-26A2-980A-3CB93CCBCF29}"/>
-              </a:ext>
-            </a:extLst>
-          </p:cNvPr>
-          <p:cNvPicPr>
-            <a:picLocks noChangeAspect="1"/>
-          </p:cNvPicPr>
-          <p:nvPr/>
-        </p:nvPicPr>
-        <p:blipFill rotWithShape="1">
-          <a:blip r:embed="rId3">
-            <a:extLst>
-              <a:ext uri="{28A0092B-C50C-407E-A947-70E740481C1C}">
-                <a14:useLocalDpi xmlns:a14="http://schemas.microsoft.com/office/drawing/2010/main" val="0"/>
-              </a:ext>
-            </a:extLst>
-          </a:blip>
-          <a:srcRect l="69227" t="33418" r="20112" b="50548"/>
-          <a:stretch/>
-        </p:blipFill>
-        <p:spPr>
-          <a:xfrm>
-            <a:off x="15579524" y="7544693"/>
-            <a:ext cx="2708477" cy="2987579"/>
-          </a:xfrm>
-          <a:prstGeom prst="rect">
-            <a:avLst/>
-          </a:prstGeom>
-        </p:spPr>
-      </p:pic>
-      <p:sp>
-        <p:nvSpPr>
-          <p:cNvPr id="3" name="TextBox 2">
-            <a:extLst>
-              <a:ext uri="{FF2B5EF4-FFF2-40B4-BE49-F238E27FC236}">
-                <a16:creationId xmlns:a16="http://schemas.microsoft.com/office/drawing/2014/main" id="{C4800D93-3A4B-596D-7938-DEAD013A776E}"/>
-              </a:ext>
-            </a:extLst>
-          </p:cNvPr>
-          <p:cNvSpPr txBox="1"/>
-          <p:nvPr/>
-        </p:nvSpPr>
-        <p:spPr>
-          <a:xfrm>
-            <a:off x="260431" y="329879"/>
-            <a:ext cx="8906720" cy="2769989"/>
-          </a:xfrm>
-          <a:prstGeom prst="rect">
-            <a:avLst/>
-          </a:prstGeom>
-          <a:noFill/>
-        </p:spPr>
-        <p:txBody>
-          <a:bodyPr wrap="square" rtlCol="0">
-            <a:spAutoFit/>
-          </a:bodyPr>
-          <a:lstStyle/>
-          <a:p>
-            <a:r>
-              <a:rPr lang="en-US" sz="6000" b="1" dirty="0">
-                <a:solidFill>
-                  <a:srgbClr val="CF3338"/>
-                </a:solidFill>
-                <a:latin typeface="Pragmatica" panose="020B0403040502020204" pitchFamily="34" charset="0"/>
-              </a:rPr>
-              <a:t>Resource: </a:t>
-            </a:r>
-            <a:r>
-              <a:rPr lang="en-US" sz="6000" b="1" i="1" dirty="0">
-                <a:solidFill>
-                  <a:srgbClr val="CF3338"/>
-                </a:solidFill>
-                <a:latin typeface="Pragmatica" panose="020B0403040502020204" pitchFamily="34" charset="0"/>
-              </a:rPr>
-              <a:t>Modern Data Analytics in Excel</a:t>
-            </a:r>
-          </a:p>
-          <a:p>
-            <a:r>
-              <a:rPr lang="en-US" sz="4800" b="1" dirty="0">
-                <a:solidFill>
-                  <a:srgbClr val="CF3338"/>
-                </a:solidFill>
-                <a:latin typeface="Pragmatica" panose="020B0403040502020204" pitchFamily="34" charset="0"/>
-              </a:rPr>
-              <a:t>stringfestanalytics.com/maxl/</a:t>
-            </a:r>
-          </a:p>
-        </p:txBody>
-      </p:sp>
-      <p:pic>
-        <p:nvPicPr>
-          <p:cNvPr id="1026" name="Picture 2" descr="Modern data analytics in Excel book cover">
-            <a:extLst>
-              <a:ext uri="{FF2B5EF4-FFF2-40B4-BE49-F238E27FC236}">
-                <a16:creationId xmlns:a16="http://schemas.microsoft.com/office/drawing/2014/main" id="{BB7BC788-6AFA-FB4E-776D-396CA95F757F}"/>
-              </a:ext>
-            </a:extLst>
-          </p:cNvPr>
-          <p:cNvPicPr>
-            <a:picLocks noChangeAspect="1" noChangeArrowheads="1"/>
-          </p:cNvPicPr>
-          <p:nvPr/>
-        </p:nvPicPr>
-        <p:blipFill>
-          <a:blip r:embed="rId4">
-            <a:extLst>
-              <a:ext uri="{28A0092B-C50C-407E-A947-70E740481C1C}">
-                <a14:useLocalDpi xmlns:a14="http://schemas.microsoft.com/office/drawing/2010/main" val="0"/>
-              </a:ext>
-            </a:extLst>
-          </a:blip>
-          <a:srcRect/>
-          <a:stretch>
-            <a:fillRect/>
-          </a:stretch>
-        </p:blipFill>
-        <p:spPr bwMode="auto">
-          <a:xfrm>
-            <a:off x="609600" y="3761035"/>
-            <a:ext cx="4724399" cy="6196087"/>
-          </a:xfrm>
-          <a:prstGeom prst="rect">
-            <a:avLst/>
-          </a:prstGeom>
-          <a:noFill/>
-          <a:extLst>
-            <a:ext uri="{909E8E84-426E-40DD-AFC4-6F175D3DCCD1}">
-              <a14:hiddenFill xmlns:a14="http://schemas.microsoft.com/office/drawing/2010/main">
-                <a:solidFill>
-                  <a:srgbClr val="FFFFFF"/>
-                </a:solidFill>
-              </a14:hiddenFill>
-            </a:ext>
-          </a:extLst>
-        </p:spPr>
-      </p:pic>
-    </p:spTree>
-    <p:extLst>
-      <p:ext uri="{BB962C8B-B14F-4D97-AF65-F5344CB8AC3E}">
-        <p14:creationId xmlns:p14="http://schemas.microsoft.com/office/powerpoint/2010/main" val="441630135"/>
-      </p:ext>
-    </p:extLst>
-  </p:cSld>
-  <p:clrMapOvr>
-    <a:masterClrMapping/>
-  </p:clrMapOvr>
-</p:sld>
-</file>
-
-<file path=ppt/slides/slide18.xml><?xml version="1.0" encoding="utf-8"?>
+<file path=ppt/slides/slide5.xml><?xml version="1.0" encoding="utf-8"?>
 <p:sld xmlns:a="http://schemas.openxmlformats.org/drawingml/2006/main" xmlns:r="http://schemas.openxmlformats.org/officeDocument/2006/relationships" xmlns:p="http://schemas.openxmlformats.org/presentationml/2006/main">
   <p:cSld>
     <p:spTree>
@@ -6130,1503 +4279,6 @@
     <p:extLst>
       <p:ext uri="{BB962C8B-B14F-4D97-AF65-F5344CB8AC3E}">
         <p14:creationId xmlns:p14="http://schemas.microsoft.com/office/powerpoint/2010/main" val="2195425994"/>
-      </p:ext>
-    </p:extLst>
-  </p:cSld>
-  <p:clrMapOvr>
-    <a:masterClrMapping/>
-  </p:clrMapOvr>
-</p:sld>
-</file>
-
-<file path=ppt/slides/slide2.xml><?xml version="1.0" encoding="utf-8"?>
-<p:sld xmlns:a="http://schemas.openxmlformats.org/drawingml/2006/main" xmlns:r="http://schemas.openxmlformats.org/officeDocument/2006/relationships" xmlns:p="http://schemas.openxmlformats.org/presentationml/2006/main">
-  <p:cSld>
-    <p:spTree>
-      <p:nvGrpSpPr>
-        <p:cNvPr id="1" name=""/>
-        <p:cNvGrpSpPr/>
-        <p:nvPr/>
-      </p:nvGrpSpPr>
-      <p:grpSpPr>
-        <a:xfrm>
-          <a:off x="0" y="0"/>
-          <a:ext cx="0" cy="0"/>
-          <a:chOff x="0" y="0"/>
-          <a:chExt cx="0" cy="0"/>
-        </a:xfrm>
-      </p:grpSpPr>
-      <p:sp>
-        <p:nvSpPr>
-          <p:cNvPr id="11" name="TextBox 10"/>
-          <p:cNvSpPr txBox="1"/>
-          <p:nvPr/>
-        </p:nvSpPr>
-        <p:spPr>
-          <a:xfrm>
-            <a:off x="520861" y="170082"/>
-            <a:ext cx="11979797" cy="2862322"/>
-          </a:xfrm>
-          <a:prstGeom prst="rect">
-            <a:avLst/>
-          </a:prstGeom>
-          <a:noFill/>
-        </p:spPr>
-        <p:txBody>
-          <a:bodyPr wrap="square" rtlCol="0">
-            <a:spAutoFit/>
-          </a:bodyPr>
-          <a:lstStyle/>
-          <a:p>
-            <a:r>
-              <a:rPr lang="en-US" sz="9000" dirty="0">
-                <a:latin typeface="Aliens &amp; cows" panose="00000500000000000000" pitchFamily="2" charset="0"/>
-              </a:rPr>
-              <a:t>Objectives for this session</a:t>
-            </a:r>
-          </a:p>
-        </p:txBody>
-      </p:sp>
-      <p:sp>
-        <p:nvSpPr>
-          <p:cNvPr id="3" name="TextBox 2"/>
-          <p:cNvSpPr txBox="1"/>
-          <p:nvPr/>
-        </p:nvSpPr>
-        <p:spPr>
-          <a:xfrm>
-            <a:off x="520861" y="3191948"/>
-            <a:ext cx="14393120" cy="3323987"/>
-          </a:xfrm>
-          <a:prstGeom prst="rect">
-            <a:avLst/>
-          </a:prstGeom>
-          <a:noFill/>
-        </p:spPr>
-        <p:txBody>
-          <a:bodyPr wrap="square" rtlCol="0">
-            <a:spAutoFit/>
-          </a:bodyPr>
-          <a:lstStyle/>
-          <a:p>
-            <a:pPr marL="685800" indent="-685800">
-              <a:buClr>
-                <a:srgbClr val="CF3338"/>
-              </a:buClr>
-              <a:buFont typeface="Arial" panose="020B0604020202020204" pitchFamily="34" charset="0"/>
-              <a:buChar char="•"/>
-            </a:pPr>
-            <a:r>
-              <a:rPr lang="en-US" sz="4200" dirty="0">
-                <a:solidFill>
-                  <a:srgbClr val="707070"/>
-                </a:solidFill>
-                <a:latin typeface="Pragmatica" panose="020B0403040502020204" pitchFamily="34" charset="0"/>
-              </a:rPr>
-              <a:t>Understand the Python in Excel environment</a:t>
-            </a:r>
-          </a:p>
-          <a:p>
-            <a:pPr marL="685800" indent="-685800">
-              <a:buClr>
-                <a:srgbClr val="CF3338"/>
-              </a:buClr>
-              <a:buFont typeface="Arial" panose="020B0604020202020204" pitchFamily="34" charset="0"/>
-              <a:buChar char="•"/>
-            </a:pPr>
-            <a:r>
-              <a:rPr lang="en-US" sz="4200" dirty="0">
-                <a:solidFill>
-                  <a:srgbClr val="707070"/>
-                </a:solidFill>
-                <a:latin typeface="Pragmatica" panose="020B0403040502020204" pitchFamily="34" charset="0"/>
-              </a:rPr>
-              <a:t>Create analyses and visualizations that would otherwise be difficult in Excel</a:t>
-            </a:r>
-          </a:p>
-          <a:p>
-            <a:pPr marL="685800" indent="-685800">
-              <a:buClr>
-                <a:srgbClr val="CF3338"/>
-              </a:buClr>
-              <a:buFont typeface="Arial" panose="020B0604020202020204" pitchFamily="34" charset="0"/>
-              <a:buChar char="•"/>
-            </a:pPr>
-            <a:r>
-              <a:rPr lang="en-US" sz="4200" dirty="0">
-                <a:solidFill>
-                  <a:srgbClr val="707070"/>
-                </a:solidFill>
-                <a:latin typeface="Pragmatica" panose="020B0403040502020204" pitchFamily="34" charset="0"/>
-              </a:rPr>
-              <a:t>Explore what is and isn’t possible with current integration</a:t>
-            </a:r>
-          </a:p>
-          <a:p>
-            <a:pPr marL="685800" indent="-685800">
-              <a:buClr>
-                <a:srgbClr val="CF3338"/>
-              </a:buClr>
-              <a:buFont typeface="Arial" panose="020B0604020202020204" pitchFamily="34" charset="0"/>
-              <a:buChar char="•"/>
-            </a:pPr>
-            <a:endParaRPr lang="en-US" sz="4200" dirty="0">
-              <a:solidFill>
-                <a:srgbClr val="707070"/>
-              </a:solidFill>
-              <a:latin typeface="Pragmatica" panose="020B0403040502020204" pitchFamily="34" charset="0"/>
-            </a:endParaRPr>
-          </a:p>
-        </p:txBody>
-      </p:sp>
-      <p:pic>
-        <p:nvPicPr>
-          <p:cNvPr id="15" name="Picture 14" descr="A close up of a sign&#10;&#10;Description automatically generated">
-            <a:extLst>
-              <a:ext uri="{FF2B5EF4-FFF2-40B4-BE49-F238E27FC236}">
-                <a16:creationId xmlns:a16="http://schemas.microsoft.com/office/drawing/2014/main" id="{29761B90-A7DE-4A60-A915-F085BD87CAB4}"/>
-              </a:ext>
-            </a:extLst>
-          </p:cNvPr>
-          <p:cNvPicPr>
-            <a:picLocks noChangeAspect="1"/>
-          </p:cNvPicPr>
-          <p:nvPr/>
-        </p:nvPicPr>
-        <p:blipFill>
-          <a:blip r:embed="rId2">
-            <a:extLst>
-              <a:ext uri="{28A0092B-C50C-407E-A947-70E740481C1C}">
-                <a14:useLocalDpi xmlns:a14="http://schemas.microsoft.com/office/drawing/2010/main" val="0"/>
-              </a:ext>
-            </a:extLst>
-          </a:blip>
-          <a:stretch>
-            <a:fillRect/>
-          </a:stretch>
-        </p:blipFill>
-        <p:spPr>
-          <a:xfrm>
-            <a:off x="16341036" y="8058429"/>
-            <a:ext cx="1942857" cy="2228571"/>
-          </a:xfrm>
-          <a:prstGeom prst="rect">
-            <a:avLst/>
-          </a:prstGeom>
-        </p:spPr>
-      </p:pic>
-    </p:spTree>
-    <p:extLst>
-      <p:ext uri="{BB962C8B-B14F-4D97-AF65-F5344CB8AC3E}">
-        <p14:creationId xmlns:p14="http://schemas.microsoft.com/office/powerpoint/2010/main" val="3830029867"/>
-      </p:ext>
-    </p:extLst>
-  </p:cSld>
-  <p:clrMapOvr>
-    <a:masterClrMapping/>
-  </p:clrMapOvr>
-</p:sld>
-</file>
-
-<file path=ppt/slides/slide3.xml><?xml version="1.0" encoding="utf-8"?>
-<p:sld xmlns:a="http://schemas.openxmlformats.org/drawingml/2006/main" xmlns:r="http://schemas.openxmlformats.org/officeDocument/2006/relationships" xmlns:p="http://schemas.openxmlformats.org/presentationml/2006/main">
-  <p:cSld>
-    <p:spTree>
-      <p:nvGrpSpPr>
-        <p:cNvPr id="1" name="">
-          <a:extLst>
-            <a:ext uri="{FF2B5EF4-FFF2-40B4-BE49-F238E27FC236}">
-              <a16:creationId xmlns:a16="http://schemas.microsoft.com/office/drawing/2014/main" id="{B32E3E31-F2F3-5A81-E860-BDE1F2C8749D}"/>
-            </a:ext>
-          </a:extLst>
-        </p:cNvPr>
-        <p:cNvGrpSpPr/>
-        <p:nvPr/>
-      </p:nvGrpSpPr>
-      <p:grpSpPr>
-        <a:xfrm>
-          <a:off x="0" y="0"/>
-          <a:ext cx="0" cy="0"/>
-          <a:chOff x="0" y="0"/>
-          <a:chExt cx="0" cy="0"/>
-        </a:xfrm>
-      </p:grpSpPr>
-      <p:sp>
-        <p:nvSpPr>
-          <p:cNvPr id="11" name="TextBox 10">
-            <a:extLst>
-              <a:ext uri="{FF2B5EF4-FFF2-40B4-BE49-F238E27FC236}">
-                <a16:creationId xmlns:a16="http://schemas.microsoft.com/office/drawing/2014/main" id="{3840A50C-B441-BB60-F269-7BC60CBBD8D3}"/>
-              </a:ext>
-            </a:extLst>
-          </p:cNvPr>
-          <p:cNvSpPr txBox="1"/>
-          <p:nvPr/>
-        </p:nvSpPr>
-        <p:spPr>
-          <a:xfrm>
-            <a:off x="520861" y="170082"/>
-            <a:ext cx="11979797" cy="1477328"/>
-          </a:xfrm>
-          <a:prstGeom prst="rect">
-            <a:avLst/>
-          </a:prstGeom>
-          <a:noFill/>
-        </p:spPr>
-        <p:txBody>
-          <a:bodyPr wrap="square" rtlCol="0">
-            <a:spAutoFit/>
-          </a:bodyPr>
-          <a:lstStyle/>
-          <a:p>
-            <a:r>
-              <a:rPr lang="en-US" sz="9000" dirty="0">
-                <a:latin typeface="Aliens &amp; cows" panose="00000500000000000000" pitchFamily="2" charset="0"/>
-              </a:rPr>
-              <a:t>Warmup</a:t>
-            </a:r>
-          </a:p>
-        </p:txBody>
-      </p:sp>
-      <p:sp>
-        <p:nvSpPr>
-          <p:cNvPr id="3" name="TextBox 2">
-            <a:extLst>
-              <a:ext uri="{FF2B5EF4-FFF2-40B4-BE49-F238E27FC236}">
-                <a16:creationId xmlns:a16="http://schemas.microsoft.com/office/drawing/2014/main" id="{8CECDA14-44E2-672B-867F-1F8525998B3B}"/>
-              </a:ext>
-            </a:extLst>
-          </p:cNvPr>
-          <p:cNvSpPr txBox="1"/>
-          <p:nvPr/>
-        </p:nvSpPr>
-        <p:spPr>
-          <a:xfrm>
-            <a:off x="520861" y="2019300"/>
-            <a:ext cx="14393120" cy="1384995"/>
-          </a:xfrm>
-          <a:prstGeom prst="rect">
-            <a:avLst/>
-          </a:prstGeom>
-          <a:noFill/>
-        </p:spPr>
-        <p:txBody>
-          <a:bodyPr wrap="square" rtlCol="0">
-            <a:spAutoFit/>
-          </a:bodyPr>
-          <a:lstStyle/>
-          <a:p>
-            <a:pPr marL="685800" indent="-685800">
-              <a:buClr>
-                <a:srgbClr val="CF3338"/>
-              </a:buClr>
-              <a:buFont typeface="Arial" panose="020B0604020202020204" pitchFamily="34" charset="0"/>
-              <a:buChar char="•"/>
-            </a:pPr>
-            <a:r>
-              <a:rPr lang="en-US" sz="4200" dirty="0">
-                <a:solidFill>
-                  <a:srgbClr val="707070"/>
-                </a:solidFill>
-                <a:latin typeface="Pragmatica" panose="020B0403040502020204" pitchFamily="34" charset="0"/>
-              </a:rPr>
-              <a:t>What questions do you have about dynamic arrays? </a:t>
-            </a:r>
-          </a:p>
-          <a:p>
-            <a:pPr marL="685800" indent="-685800">
-              <a:buClr>
-                <a:srgbClr val="CF3338"/>
-              </a:buClr>
-              <a:buFont typeface="Arial" panose="020B0604020202020204" pitchFamily="34" charset="0"/>
-              <a:buChar char="•"/>
-            </a:pPr>
-            <a:endParaRPr lang="en-US" sz="4200" dirty="0">
-              <a:solidFill>
-                <a:srgbClr val="707070"/>
-              </a:solidFill>
-              <a:latin typeface="Pragmatica" panose="020B0403040502020204" pitchFamily="34" charset="0"/>
-            </a:endParaRPr>
-          </a:p>
-        </p:txBody>
-      </p:sp>
-      <p:pic>
-        <p:nvPicPr>
-          <p:cNvPr id="15" name="Picture 14" descr="A close up of a sign&#10;&#10;Description automatically generated">
-            <a:extLst>
-              <a:ext uri="{FF2B5EF4-FFF2-40B4-BE49-F238E27FC236}">
-                <a16:creationId xmlns:a16="http://schemas.microsoft.com/office/drawing/2014/main" id="{F9407C4B-231D-8459-C9EA-7822F16D204E}"/>
-              </a:ext>
-            </a:extLst>
-          </p:cNvPr>
-          <p:cNvPicPr>
-            <a:picLocks noChangeAspect="1"/>
-          </p:cNvPicPr>
-          <p:nvPr/>
-        </p:nvPicPr>
-        <p:blipFill>
-          <a:blip r:embed="rId2">
-            <a:extLst>
-              <a:ext uri="{28A0092B-C50C-407E-A947-70E740481C1C}">
-                <a14:useLocalDpi xmlns:a14="http://schemas.microsoft.com/office/drawing/2010/main" val="0"/>
-              </a:ext>
-            </a:extLst>
-          </a:blip>
-          <a:stretch>
-            <a:fillRect/>
-          </a:stretch>
-        </p:blipFill>
-        <p:spPr>
-          <a:xfrm>
-            <a:off x="16341036" y="8058429"/>
-            <a:ext cx="1942857" cy="2228571"/>
-          </a:xfrm>
-          <a:prstGeom prst="rect">
-            <a:avLst/>
-          </a:prstGeom>
-        </p:spPr>
-      </p:pic>
-    </p:spTree>
-    <p:extLst>
-      <p:ext uri="{BB962C8B-B14F-4D97-AF65-F5344CB8AC3E}">
-        <p14:creationId xmlns:p14="http://schemas.microsoft.com/office/powerpoint/2010/main" val="3360604476"/>
-      </p:ext>
-    </p:extLst>
-  </p:cSld>
-  <p:clrMapOvr>
-    <a:masterClrMapping/>
-  </p:clrMapOvr>
-</p:sld>
-</file>
-
-<file path=ppt/slides/slide4.xml><?xml version="1.0" encoding="utf-8"?>
-<p:sld xmlns:a="http://schemas.openxmlformats.org/drawingml/2006/main" xmlns:r="http://schemas.openxmlformats.org/officeDocument/2006/relationships" xmlns:p="http://schemas.openxmlformats.org/presentationml/2006/main">
-  <p:cSld>
-    <p:spTree>
-      <p:nvGrpSpPr>
-        <p:cNvPr id="1" name=""/>
-        <p:cNvGrpSpPr/>
-        <p:nvPr/>
-      </p:nvGrpSpPr>
-      <p:grpSpPr>
-        <a:xfrm>
-          <a:off x="0" y="0"/>
-          <a:ext cx="0" cy="0"/>
-          <a:chOff x="0" y="0"/>
-          <a:chExt cx="0" cy="0"/>
-        </a:xfrm>
-      </p:grpSpPr>
-      <p:sp>
-        <p:nvSpPr>
-          <p:cNvPr id="11" name="TextBox 10"/>
-          <p:cNvSpPr txBox="1"/>
-          <p:nvPr/>
-        </p:nvSpPr>
-        <p:spPr>
-          <a:xfrm>
-            <a:off x="520861" y="170082"/>
-            <a:ext cx="11979797" cy="1477328"/>
-          </a:xfrm>
-          <a:prstGeom prst="rect">
-            <a:avLst/>
-          </a:prstGeom>
-          <a:noFill/>
-        </p:spPr>
-        <p:txBody>
-          <a:bodyPr wrap="square" rtlCol="0">
-            <a:spAutoFit/>
-          </a:bodyPr>
-          <a:lstStyle/>
-          <a:p>
-            <a:r>
-              <a:rPr lang="en-US" sz="9000" dirty="0">
-                <a:latin typeface="Aliens &amp; cows" panose="00000500000000000000" pitchFamily="2" charset="0"/>
-              </a:rPr>
-              <a:t>Following along</a:t>
-            </a:r>
-          </a:p>
-        </p:txBody>
-      </p:sp>
-      <p:sp>
-        <p:nvSpPr>
-          <p:cNvPr id="3" name="TextBox 2"/>
-          <p:cNvSpPr txBox="1"/>
-          <p:nvPr/>
-        </p:nvSpPr>
-        <p:spPr>
-          <a:xfrm>
-            <a:off x="520861" y="3191948"/>
-            <a:ext cx="14393120" cy="2677656"/>
-          </a:xfrm>
-          <a:prstGeom prst="rect">
-            <a:avLst/>
-          </a:prstGeom>
-          <a:noFill/>
-        </p:spPr>
-        <p:txBody>
-          <a:bodyPr wrap="square" rtlCol="0">
-            <a:spAutoFit/>
-          </a:bodyPr>
-          <a:lstStyle/>
-          <a:p>
-            <a:pPr marL="685800" indent="-685800">
-              <a:buClr>
-                <a:srgbClr val="CF3338"/>
-              </a:buClr>
-              <a:buFont typeface="Arial" panose="020B0604020202020204" pitchFamily="34" charset="0"/>
-              <a:buChar char="•"/>
-            </a:pPr>
-            <a:r>
-              <a:rPr lang="en-US" sz="4200" dirty="0">
-                <a:solidFill>
-                  <a:srgbClr val="707070"/>
-                </a:solidFill>
-                <a:latin typeface="Pragmatica" panose="020B0403040502020204" pitchFamily="34" charset="0"/>
-              </a:rPr>
-              <a:t>Each section is a folder</a:t>
-            </a:r>
-          </a:p>
-          <a:p>
-            <a:pPr marL="685800" indent="-685800">
-              <a:buClr>
-                <a:srgbClr val="CF3338"/>
-              </a:buClr>
-              <a:buFont typeface="Arial" panose="020B0604020202020204" pitchFamily="34" charset="0"/>
-              <a:buChar char="•"/>
-            </a:pPr>
-            <a:r>
-              <a:rPr lang="en-US" sz="4200" dirty="0">
-                <a:solidFill>
-                  <a:srgbClr val="707070"/>
-                </a:solidFill>
-                <a:latin typeface="Pragmatica" panose="020B0403040502020204" pitchFamily="34" charset="0"/>
-              </a:rPr>
-              <a:t>Follow demos with me</a:t>
-            </a:r>
-          </a:p>
-          <a:p>
-            <a:pPr marL="1143000" lvl="1" indent="-685800">
-              <a:buClr>
-                <a:srgbClr val="CF3338"/>
-              </a:buClr>
-              <a:buFont typeface="Arial" panose="020B0604020202020204" pitchFamily="34" charset="0"/>
-              <a:buChar char="•"/>
-            </a:pPr>
-            <a:r>
-              <a:rPr lang="en-US" sz="4200" dirty="0">
-                <a:solidFill>
-                  <a:srgbClr val="707070"/>
-                </a:solidFill>
-                <a:latin typeface="Pragmatica" panose="020B0403040502020204" pitchFamily="34" charset="0"/>
-              </a:rPr>
-              <a:t>Solutions also available</a:t>
-            </a:r>
-          </a:p>
-          <a:p>
-            <a:pPr marL="685800" indent="-685800">
-              <a:buClr>
-                <a:srgbClr val="CF3338"/>
-              </a:buClr>
-              <a:buFont typeface="Arial" panose="020B0604020202020204" pitchFamily="34" charset="0"/>
-              <a:buChar char="•"/>
-            </a:pPr>
-            <a:r>
-              <a:rPr lang="en-US" sz="4200" dirty="0">
-                <a:solidFill>
-                  <a:srgbClr val="707070"/>
-                </a:solidFill>
-                <a:latin typeface="Pragmatica" panose="020B0403040502020204" pitchFamily="34" charset="0"/>
-              </a:rPr>
-              <a:t>Exercise folders with solutions for each section</a:t>
-            </a:r>
-          </a:p>
-        </p:txBody>
-      </p:sp>
-      <p:pic>
-        <p:nvPicPr>
-          <p:cNvPr id="15" name="Picture 14" descr="A close up of a sign&#10;&#10;Description automatically generated">
-            <a:extLst>
-              <a:ext uri="{FF2B5EF4-FFF2-40B4-BE49-F238E27FC236}">
-                <a16:creationId xmlns:a16="http://schemas.microsoft.com/office/drawing/2014/main" id="{29761B90-A7DE-4A60-A915-F085BD87CAB4}"/>
-              </a:ext>
-            </a:extLst>
-          </p:cNvPr>
-          <p:cNvPicPr>
-            <a:picLocks noChangeAspect="1"/>
-          </p:cNvPicPr>
-          <p:nvPr/>
-        </p:nvPicPr>
-        <p:blipFill>
-          <a:blip r:embed="rId2">
-            <a:extLst>
-              <a:ext uri="{28A0092B-C50C-407E-A947-70E740481C1C}">
-                <a14:useLocalDpi xmlns:a14="http://schemas.microsoft.com/office/drawing/2010/main" val="0"/>
-              </a:ext>
-            </a:extLst>
-          </a:blip>
-          <a:stretch>
-            <a:fillRect/>
-          </a:stretch>
-        </p:blipFill>
-        <p:spPr>
-          <a:xfrm>
-            <a:off x="16341036" y="8058429"/>
-            <a:ext cx="1942857" cy="2228571"/>
-          </a:xfrm>
-          <a:prstGeom prst="rect">
-            <a:avLst/>
-          </a:prstGeom>
-        </p:spPr>
-      </p:pic>
-    </p:spTree>
-    <p:extLst>
-      <p:ext uri="{BB962C8B-B14F-4D97-AF65-F5344CB8AC3E}">
-        <p14:creationId xmlns:p14="http://schemas.microsoft.com/office/powerpoint/2010/main" val="2731138700"/>
-      </p:ext>
-    </p:extLst>
-  </p:cSld>
-  <p:clrMapOvr>
-    <a:masterClrMapping/>
-  </p:clrMapOvr>
-</p:sld>
-</file>
-
-<file path=ppt/slides/slide5.xml><?xml version="1.0" encoding="utf-8"?>
-<p:sld xmlns:a="http://schemas.openxmlformats.org/drawingml/2006/main" xmlns:r="http://schemas.openxmlformats.org/officeDocument/2006/relationships" xmlns:p="http://schemas.openxmlformats.org/presentationml/2006/main">
-  <p:cSld>
-    <p:spTree>
-      <p:nvGrpSpPr>
-        <p:cNvPr id="1" name=""/>
-        <p:cNvGrpSpPr/>
-        <p:nvPr/>
-      </p:nvGrpSpPr>
-      <p:grpSpPr>
-        <a:xfrm>
-          <a:off x="0" y="0"/>
-          <a:ext cx="0" cy="0"/>
-          <a:chOff x="0" y="0"/>
-          <a:chExt cx="0" cy="0"/>
-        </a:xfrm>
-      </p:grpSpPr>
-      <p:sp>
-        <p:nvSpPr>
-          <p:cNvPr id="4" name="Rectangle 3"/>
-          <p:cNvSpPr/>
-          <p:nvPr/>
-        </p:nvSpPr>
-        <p:spPr>
-          <a:xfrm>
-            <a:off x="0" y="0"/>
-            <a:ext cx="18288000" cy="10287000"/>
-          </a:xfrm>
-          <a:prstGeom prst="rect">
-            <a:avLst/>
-          </a:prstGeom>
-          <a:solidFill>
-            <a:srgbClr val="CF3338"/>
-          </a:solidFill>
-          <a:ln>
-            <a:noFill/>
-          </a:ln>
-        </p:spPr>
-        <p:style>
-          <a:lnRef idx="2">
-            <a:schemeClr val="accent1">
-              <a:shade val="50000"/>
-            </a:schemeClr>
-          </a:lnRef>
-          <a:fillRef idx="1">
-            <a:schemeClr val="accent1"/>
-          </a:fillRef>
-          <a:effectRef idx="0">
-            <a:schemeClr val="accent1"/>
-          </a:effectRef>
-          <a:fontRef idx="minor">
-            <a:schemeClr val="lt1"/>
-          </a:fontRef>
-        </p:style>
-        <p:txBody>
-          <a:bodyPr rtlCol="0" anchor="ctr"/>
-          <a:lstStyle/>
-          <a:p>
-            <a:pPr algn="ctr"/>
-            <a:endParaRPr lang="en-US" sz="2700"/>
-          </a:p>
-        </p:txBody>
-      </p:sp>
-      <p:sp>
-        <p:nvSpPr>
-          <p:cNvPr id="5" name="TextBox 4"/>
-          <p:cNvSpPr txBox="1"/>
-          <p:nvPr/>
-        </p:nvSpPr>
-        <p:spPr>
-          <a:xfrm>
-            <a:off x="781292" y="590309"/>
-            <a:ext cx="15486926" cy="3139321"/>
-          </a:xfrm>
-          <a:prstGeom prst="rect">
-            <a:avLst/>
-          </a:prstGeom>
-          <a:noFill/>
-        </p:spPr>
-        <p:txBody>
-          <a:bodyPr wrap="square" rtlCol="0">
-            <a:spAutoFit/>
-          </a:bodyPr>
-          <a:lstStyle/>
-          <a:p>
-            <a:r>
-              <a:rPr lang="en-US" sz="9900" b="1" dirty="0">
-                <a:solidFill>
-                  <a:schemeClr val="bg1"/>
-                </a:solidFill>
-                <a:latin typeface="Normafixed Tryout" panose="00000409000000000000" pitchFamily="49" charset="0"/>
-              </a:rPr>
-              <a:t>1. Understanding the Python in Excel environment</a:t>
-            </a:r>
-          </a:p>
-        </p:txBody>
-      </p:sp>
-    </p:spTree>
-    <p:extLst>
-      <p:ext uri="{BB962C8B-B14F-4D97-AF65-F5344CB8AC3E}">
-        <p14:creationId xmlns:p14="http://schemas.microsoft.com/office/powerpoint/2010/main" val="3953945792"/>
-      </p:ext>
-    </p:extLst>
-  </p:cSld>
-  <p:clrMapOvr>
-    <a:masterClrMapping/>
-  </p:clrMapOvr>
-</p:sld>
-</file>
-
-<file path=ppt/slides/slide6.xml><?xml version="1.0" encoding="utf-8"?>
-<p:sld xmlns:a="http://schemas.openxmlformats.org/drawingml/2006/main" xmlns:r="http://schemas.openxmlformats.org/officeDocument/2006/relationships" xmlns:p="http://schemas.openxmlformats.org/presentationml/2006/main">
-  <p:cSld>
-    <p:spTree>
-      <p:nvGrpSpPr>
-        <p:cNvPr id="1" name=""/>
-        <p:cNvGrpSpPr/>
-        <p:nvPr/>
-      </p:nvGrpSpPr>
-      <p:grpSpPr>
-        <a:xfrm>
-          <a:off x="0" y="0"/>
-          <a:ext cx="0" cy="0"/>
-          <a:chOff x="0" y="0"/>
-          <a:chExt cx="0" cy="0"/>
-        </a:xfrm>
-      </p:grpSpPr>
-      <p:sp>
-        <p:nvSpPr>
-          <p:cNvPr id="4" name="Rectangle 3"/>
-          <p:cNvSpPr/>
-          <p:nvPr/>
-        </p:nvSpPr>
-        <p:spPr>
-          <a:xfrm>
-            <a:off x="9861630" y="0"/>
-            <a:ext cx="8426370" cy="10287000"/>
-          </a:xfrm>
-          <a:prstGeom prst="rect">
-            <a:avLst/>
-          </a:prstGeom>
-          <a:solidFill>
-            <a:srgbClr val="CF3338"/>
-          </a:solidFill>
-          <a:ln>
-            <a:noFill/>
-          </a:ln>
-        </p:spPr>
-        <p:style>
-          <a:lnRef idx="2">
-            <a:schemeClr val="accent1">
-              <a:shade val="50000"/>
-            </a:schemeClr>
-          </a:lnRef>
-          <a:fillRef idx="1">
-            <a:schemeClr val="accent1"/>
-          </a:fillRef>
-          <a:effectRef idx="0">
-            <a:schemeClr val="accent1"/>
-          </a:effectRef>
-          <a:fontRef idx="minor">
-            <a:schemeClr val="lt1"/>
-          </a:fontRef>
-        </p:style>
-        <p:txBody>
-          <a:bodyPr rtlCol="0" anchor="ctr"/>
-          <a:lstStyle/>
-          <a:p>
-            <a:pPr algn="ctr"/>
-            <a:endParaRPr lang="en-US" sz="2700"/>
-          </a:p>
-        </p:txBody>
-      </p:sp>
-      <p:pic>
-        <p:nvPicPr>
-          <p:cNvPr id="2" name="Picture 1"/>
-          <p:cNvPicPr>
-            <a:picLocks noChangeAspect="1"/>
-          </p:cNvPicPr>
-          <p:nvPr/>
-        </p:nvPicPr>
-        <p:blipFill rotWithShape="1">
-          <a:blip r:embed="rId3">
-            <a:extLst>
-              <a:ext uri="{28A0092B-C50C-407E-A947-70E740481C1C}">
-                <a14:useLocalDpi xmlns:a14="http://schemas.microsoft.com/office/drawing/2010/main" val="0"/>
-              </a:ext>
-            </a:extLst>
-          </a:blip>
-          <a:srcRect l="69227" t="33418" r="20112" b="50548"/>
-          <a:stretch/>
-        </p:blipFill>
-        <p:spPr>
-          <a:xfrm>
-            <a:off x="15579524" y="7544693"/>
-            <a:ext cx="2708477" cy="2987579"/>
-          </a:xfrm>
-          <a:prstGeom prst="rect">
-            <a:avLst/>
-          </a:prstGeom>
-        </p:spPr>
-      </p:pic>
-      <p:sp>
-        <p:nvSpPr>
-          <p:cNvPr id="3" name="TextBox 2"/>
-          <p:cNvSpPr txBox="1"/>
-          <p:nvPr/>
-        </p:nvSpPr>
-        <p:spPr>
-          <a:xfrm>
-            <a:off x="260431" y="329879"/>
-            <a:ext cx="8906720" cy="7258397"/>
-          </a:xfrm>
-          <a:prstGeom prst="rect">
-            <a:avLst/>
-          </a:prstGeom>
-          <a:noFill/>
-        </p:spPr>
-        <p:txBody>
-          <a:bodyPr wrap="square" rtlCol="0">
-            <a:spAutoFit/>
-          </a:bodyPr>
-          <a:lstStyle/>
-          <a:p>
-            <a:r>
-              <a:rPr lang="en-US" sz="6000" b="1" dirty="0">
-                <a:solidFill>
-                  <a:srgbClr val="CF3338"/>
-                </a:solidFill>
-                <a:latin typeface="Pragmatica" panose="020B0403040502020204" pitchFamily="34" charset="0"/>
-              </a:rPr>
-              <a:t>Understanding the Python in Excel environment</a:t>
-            </a:r>
-          </a:p>
-          <a:p>
-            <a:endParaRPr lang="en-US" sz="4200" dirty="0">
-              <a:solidFill>
-                <a:srgbClr val="CF3338"/>
-              </a:solidFill>
-              <a:latin typeface="Pragmatica" panose="020B0403040502020204" pitchFamily="34" charset="0"/>
-            </a:endParaRPr>
-          </a:p>
-          <a:p>
-            <a:pPr marL="685800" indent="-542925">
-              <a:lnSpc>
-                <a:spcPct val="115000"/>
-              </a:lnSpc>
-              <a:spcBef>
-                <a:spcPts val="1125"/>
-              </a:spcBef>
-              <a:buClr>
-                <a:srgbClr val="C00000"/>
-              </a:buClr>
-              <a:buSzPts val="2100"/>
-              <a:buFont typeface="Arial"/>
-              <a:buAutoNum type="arabicPeriod"/>
-            </a:pPr>
-            <a:r>
-              <a:rPr lang="en-US" sz="3600" dirty="0">
-                <a:solidFill>
-                  <a:srgbClr val="C00000"/>
-                </a:solidFill>
-                <a:latin typeface="Pragmatica" panose="020B0403040502020204"/>
-                <a:sym typeface="Consolas"/>
-              </a:rPr>
-              <a:t>What packages are available and why?</a:t>
-            </a:r>
-          </a:p>
-          <a:p>
-            <a:pPr marL="685800" indent="-542925">
-              <a:lnSpc>
-                <a:spcPct val="115000"/>
-              </a:lnSpc>
-              <a:spcBef>
-                <a:spcPts val="1125"/>
-              </a:spcBef>
-              <a:buClr>
-                <a:srgbClr val="C00000"/>
-              </a:buClr>
-              <a:buSzPts val="2100"/>
-              <a:buFont typeface="Arial"/>
-              <a:buAutoNum type="arabicPeriod"/>
-            </a:pPr>
-            <a:r>
-              <a:rPr lang="en-US" sz="3600" dirty="0">
-                <a:solidFill>
-                  <a:srgbClr val="C00000"/>
-                </a:solidFill>
-                <a:latin typeface="Pragmatica" panose="020B0403040502020204"/>
-                <a:sym typeface="Consolas"/>
-              </a:rPr>
-              <a:t>Loading Excel data into Python</a:t>
-            </a:r>
-          </a:p>
-          <a:p>
-            <a:pPr marL="685800" indent="-542925">
-              <a:lnSpc>
-                <a:spcPct val="115000"/>
-              </a:lnSpc>
-              <a:spcBef>
-                <a:spcPts val="1125"/>
-              </a:spcBef>
-              <a:buClr>
-                <a:srgbClr val="C00000"/>
-              </a:buClr>
-              <a:buSzPts val="2100"/>
-              <a:buFont typeface="Arial"/>
-              <a:buAutoNum type="arabicPeriod"/>
-            </a:pPr>
-            <a:r>
-              <a:rPr lang="en-US" sz="3600" dirty="0">
-                <a:solidFill>
-                  <a:srgbClr val="C00000"/>
-                </a:solidFill>
-                <a:latin typeface="Pragmatica" panose="020B0403040502020204"/>
-                <a:sym typeface="Consolas"/>
-              </a:rPr>
-              <a:t>Crossing between Python objects and Excel values</a:t>
-            </a:r>
-          </a:p>
-          <a:p>
-            <a:pPr marL="142875">
-              <a:lnSpc>
-                <a:spcPct val="115000"/>
-              </a:lnSpc>
-              <a:spcBef>
-                <a:spcPts val="1125"/>
-              </a:spcBef>
-              <a:buClr>
-                <a:srgbClr val="C00000"/>
-              </a:buClr>
-              <a:buSzPts val="2100"/>
-            </a:pPr>
-            <a:r>
-              <a:rPr lang="en-US" sz="3600" dirty="0">
-                <a:solidFill>
-                  <a:srgbClr val="C00000"/>
-                </a:solidFill>
-                <a:latin typeface="Pragmatica" panose="020B0403040502020204"/>
-                <a:sym typeface="Consolas"/>
-              </a:rPr>
-              <a:t>File: </a:t>
-            </a:r>
-            <a:r>
-              <a:rPr lang="en-US" sz="3600" dirty="0">
-                <a:solidFill>
-                  <a:srgbClr val="C00000"/>
-                </a:solidFill>
-                <a:latin typeface="Consolas" panose="020B0609020204030204" pitchFamily="49" charset="0"/>
-                <a:sym typeface="Consolas"/>
-              </a:rPr>
-              <a:t>pie-environment.xlsx</a:t>
-            </a:r>
-            <a:endParaRPr lang="en-US" sz="6000" dirty="0">
-              <a:solidFill>
-                <a:srgbClr val="CF3338"/>
-              </a:solidFill>
-              <a:latin typeface="Consolas" panose="020B0609020204030204" pitchFamily="49" charset="0"/>
-            </a:endParaRPr>
-          </a:p>
-          <a:p>
-            <a:endParaRPr lang="en-US" sz="6000" dirty="0">
-              <a:solidFill>
-                <a:srgbClr val="CF3338"/>
-              </a:solidFill>
-              <a:latin typeface="Pragmatica" panose="020B0403040502020204" pitchFamily="34" charset="0"/>
-            </a:endParaRPr>
-          </a:p>
-        </p:txBody>
-      </p:sp>
-    </p:spTree>
-    <p:extLst>
-      <p:ext uri="{BB962C8B-B14F-4D97-AF65-F5344CB8AC3E}">
-        <p14:creationId xmlns:p14="http://schemas.microsoft.com/office/powerpoint/2010/main" val="3871531779"/>
-      </p:ext>
-    </p:extLst>
-  </p:cSld>
-  <p:clrMapOvr>
-    <a:masterClrMapping/>
-  </p:clrMapOvr>
-</p:sld>
-</file>
-
-<file path=ppt/slides/slide7.xml><?xml version="1.0" encoding="utf-8"?>
-<p:sld xmlns:a="http://schemas.openxmlformats.org/drawingml/2006/main" xmlns:r="http://schemas.openxmlformats.org/officeDocument/2006/relationships" xmlns:p="http://schemas.openxmlformats.org/presentationml/2006/main">
-  <p:cSld>
-    <p:spTree>
-      <p:nvGrpSpPr>
-        <p:cNvPr id="1" name=""/>
-        <p:cNvGrpSpPr/>
-        <p:nvPr/>
-      </p:nvGrpSpPr>
-      <p:grpSpPr>
-        <a:xfrm>
-          <a:off x="0" y="0"/>
-          <a:ext cx="0" cy="0"/>
-          <a:chOff x="0" y="0"/>
-          <a:chExt cx="0" cy="0"/>
-        </a:xfrm>
-      </p:grpSpPr>
-      <p:pic>
-        <p:nvPicPr>
-          <p:cNvPr id="10" name="Picture 9"/>
-          <p:cNvPicPr>
-            <a:picLocks noChangeAspect="1"/>
-          </p:cNvPicPr>
-          <p:nvPr/>
-        </p:nvPicPr>
-        <p:blipFill rotWithShape="1">
-          <a:blip r:embed="rId2">
-            <a:extLst>
-              <a:ext uri="{28A0092B-C50C-407E-A947-70E740481C1C}">
-                <a14:useLocalDpi xmlns:a14="http://schemas.microsoft.com/office/drawing/2010/main" val="0"/>
-              </a:ext>
-            </a:extLst>
-          </a:blip>
-          <a:srcRect l="50728" t="56371"/>
-          <a:stretch/>
-        </p:blipFill>
-        <p:spPr>
-          <a:xfrm>
-            <a:off x="12204691" y="3316148"/>
-            <a:ext cx="6083309" cy="6970854"/>
-          </a:xfrm>
-          <a:prstGeom prst="rect">
-            <a:avLst/>
-          </a:prstGeom>
-        </p:spPr>
-      </p:pic>
-      <p:pic>
-        <p:nvPicPr>
-          <p:cNvPr id="4" name="Picture 3"/>
-          <p:cNvPicPr>
-            <a:picLocks noChangeAspect="1"/>
-          </p:cNvPicPr>
-          <p:nvPr/>
-        </p:nvPicPr>
-        <p:blipFill>
-          <a:blip r:embed="rId3">
-            <a:extLst>
-              <a:ext uri="{28A0092B-C50C-407E-A947-70E740481C1C}">
-                <a14:useLocalDpi xmlns:a14="http://schemas.microsoft.com/office/drawing/2010/main" val="0"/>
-              </a:ext>
-            </a:extLst>
-          </a:blip>
-          <a:stretch>
-            <a:fillRect/>
-          </a:stretch>
-        </p:blipFill>
-        <p:spPr>
-          <a:xfrm>
-            <a:off x="-807744" y="-3724155"/>
-            <a:ext cx="15257208" cy="11189825"/>
-          </a:xfrm>
-          <a:prstGeom prst="rect">
-            <a:avLst/>
-          </a:prstGeom>
-        </p:spPr>
-      </p:pic>
-      <p:sp>
-        <p:nvSpPr>
-          <p:cNvPr id="11" name="TextBox 10"/>
-          <p:cNvSpPr txBox="1"/>
-          <p:nvPr/>
-        </p:nvSpPr>
-        <p:spPr>
-          <a:xfrm>
-            <a:off x="486137" y="2531318"/>
-            <a:ext cx="11979797" cy="923330"/>
-          </a:xfrm>
-          <a:prstGeom prst="rect">
-            <a:avLst/>
-          </a:prstGeom>
-          <a:noFill/>
-        </p:spPr>
-        <p:txBody>
-          <a:bodyPr wrap="square" rtlCol="0">
-            <a:spAutoFit/>
-          </a:bodyPr>
-          <a:lstStyle/>
-          <a:p>
-            <a:r>
-              <a:rPr lang="en-US" sz="5400" b="1" dirty="0">
-                <a:solidFill>
-                  <a:srgbClr val="CF3338"/>
-                </a:solidFill>
-                <a:latin typeface="Pragmatica" panose="020B0403040502020204" pitchFamily="34" charset="0"/>
-              </a:rPr>
-              <a:t>Questions?</a:t>
-            </a:r>
-          </a:p>
-        </p:txBody>
-      </p:sp>
-      <p:pic>
-        <p:nvPicPr>
-          <p:cNvPr id="5" name="Picture 4">
-            <a:extLst>
-              <a:ext uri="{FF2B5EF4-FFF2-40B4-BE49-F238E27FC236}">
-                <a16:creationId xmlns:a16="http://schemas.microsoft.com/office/drawing/2014/main" id="{54A06221-5316-4BCF-9FDA-BDB95FF4A778}"/>
-              </a:ext>
-            </a:extLst>
-          </p:cNvPr>
-          <p:cNvPicPr>
-            <a:picLocks noChangeAspect="1"/>
-          </p:cNvPicPr>
-          <p:nvPr/>
-        </p:nvPicPr>
-        <p:blipFill>
-          <a:blip r:embed="rId4">
-            <a:extLst>
-              <a:ext uri="{28A0092B-C50C-407E-A947-70E740481C1C}">
-                <a14:useLocalDpi xmlns:a14="http://schemas.microsoft.com/office/drawing/2010/main" val="0"/>
-              </a:ext>
-            </a:extLst>
-          </a:blip>
-          <a:srcRect/>
-          <a:stretch/>
-        </p:blipFill>
-        <p:spPr>
-          <a:xfrm>
-            <a:off x="12204691" y="3317239"/>
-            <a:ext cx="6083309" cy="6968672"/>
-          </a:xfrm>
-          <a:prstGeom prst="rect">
-            <a:avLst/>
-          </a:prstGeom>
-        </p:spPr>
-      </p:pic>
-    </p:spTree>
-    <p:extLst>
-      <p:ext uri="{BB962C8B-B14F-4D97-AF65-F5344CB8AC3E}">
-        <p14:creationId xmlns:p14="http://schemas.microsoft.com/office/powerpoint/2010/main" val="1689860732"/>
-      </p:ext>
-    </p:extLst>
-  </p:cSld>
-  <p:clrMapOvr>
-    <a:masterClrMapping/>
-  </p:clrMapOvr>
-</p:sld>
-</file>
-
-<file path=ppt/slides/slide8.xml><?xml version="1.0" encoding="utf-8"?>
-<p:sld xmlns:a="http://schemas.openxmlformats.org/drawingml/2006/main" xmlns:r="http://schemas.openxmlformats.org/officeDocument/2006/relationships" xmlns:p="http://schemas.openxmlformats.org/presentationml/2006/main">
-  <p:cSld>
-    <p:spTree>
-      <p:nvGrpSpPr>
-        <p:cNvPr id="1" name=""/>
-        <p:cNvGrpSpPr/>
-        <p:nvPr/>
-      </p:nvGrpSpPr>
-      <p:grpSpPr>
-        <a:xfrm>
-          <a:off x="0" y="0"/>
-          <a:ext cx="0" cy="0"/>
-          <a:chOff x="0" y="0"/>
-          <a:chExt cx="0" cy="0"/>
-        </a:xfrm>
-      </p:grpSpPr>
-      <p:sp>
-        <p:nvSpPr>
-          <p:cNvPr id="4" name="Rectangle 3"/>
-          <p:cNvSpPr/>
-          <p:nvPr/>
-        </p:nvSpPr>
-        <p:spPr>
-          <a:xfrm>
-            <a:off x="0" y="0"/>
-            <a:ext cx="18288000" cy="10287000"/>
-          </a:xfrm>
-          <a:prstGeom prst="rect">
-            <a:avLst/>
-          </a:prstGeom>
-          <a:solidFill>
-            <a:srgbClr val="CF3338"/>
-          </a:solidFill>
-          <a:ln>
-            <a:noFill/>
-          </a:ln>
-        </p:spPr>
-        <p:style>
-          <a:lnRef idx="2">
-            <a:schemeClr val="accent1">
-              <a:shade val="50000"/>
-            </a:schemeClr>
-          </a:lnRef>
-          <a:fillRef idx="1">
-            <a:schemeClr val="accent1"/>
-          </a:fillRef>
-          <a:effectRef idx="0">
-            <a:schemeClr val="accent1"/>
-          </a:effectRef>
-          <a:fontRef idx="minor">
-            <a:schemeClr val="lt1"/>
-          </a:fontRef>
-        </p:style>
-        <p:txBody>
-          <a:bodyPr rtlCol="0" anchor="ctr"/>
-          <a:lstStyle/>
-          <a:p>
-            <a:pPr algn="ctr"/>
-            <a:endParaRPr lang="en-US" sz="2700"/>
-          </a:p>
-        </p:txBody>
-      </p:sp>
-      <p:sp>
-        <p:nvSpPr>
-          <p:cNvPr id="5" name="TextBox 4"/>
-          <p:cNvSpPr txBox="1"/>
-          <p:nvPr/>
-        </p:nvSpPr>
-        <p:spPr>
-          <a:xfrm>
-            <a:off x="781292" y="590309"/>
-            <a:ext cx="15486926" cy="3139321"/>
-          </a:xfrm>
-          <a:prstGeom prst="rect">
-            <a:avLst/>
-          </a:prstGeom>
-          <a:noFill/>
-        </p:spPr>
-        <p:txBody>
-          <a:bodyPr wrap="square" rtlCol="0">
-            <a:spAutoFit/>
-          </a:bodyPr>
-          <a:lstStyle/>
-          <a:p>
-            <a:r>
-              <a:rPr lang="en-US" sz="9900" b="1" dirty="0">
-                <a:solidFill>
-                  <a:schemeClr val="bg1"/>
-                </a:solidFill>
-                <a:latin typeface="Normafixed Tryout" panose="00000409000000000000" pitchFamily="49" charset="0"/>
-              </a:rPr>
-              <a:t>2. From “that’s hard in Excel” to “that’s easy in Python”</a:t>
-            </a:r>
-          </a:p>
-        </p:txBody>
-      </p:sp>
-    </p:spTree>
-    <p:extLst>
-      <p:ext uri="{BB962C8B-B14F-4D97-AF65-F5344CB8AC3E}">
-        <p14:creationId xmlns:p14="http://schemas.microsoft.com/office/powerpoint/2010/main" val="2491588467"/>
-      </p:ext>
-    </p:extLst>
-  </p:cSld>
-  <p:clrMapOvr>
-    <a:masterClrMapping/>
-  </p:clrMapOvr>
-</p:sld>
-</file>
-
-<file path=ppt/slides/slide9.xml><?xml version="1.0" encoding="utf-8"?>
-<p:sld xmlns:a="http://schemas.openxmlformats.org/drawingml/2006/main" xmlns:r="http://schemas.openxmlformats.org/officeDocument/2006/relationships" xmlns:p="http://schemas.openxmlformats.org/presentationml/2006/main">
-  <p:cSld>
-    <p:spTree>
-      <p:nvGrpSpPr>
-        <p:cNvPr id="1" name=""/>
-        <p:cNvGrpSpPr/>
-        <p:nvPr/>
-      </p:nvGrpSpPr>
-      <p:grpSpPr>
-        <a:xfrm>
-          <a:off x="0" y="0"/>
-          <a:ext cx="0" cy="0"/>
-          <a:chOff x="0" y="0"/>
-          <a:chExt cx="0" cy="0"/>
-        </a:xfrm>
-      </p:grpSpPr>
-      <p:sp>
-        <p:nvSpPr>
-          <p:cNvPr id="4" name="Rectangle 3"/>
-          <p:cNvSpPr/>
-          <p:nvPr/>
-        </p:nvSpPr>
-        <p:spPr>
-          <a:xfrm>
-            <a:off x="9861630" y="0"/>
-            <a:ext cx="8426370" cy="10287000"/>
-          </a:xfrm>
-          <a:prstGeom prst="rect">
-            <a:avLst/>
-          </a:prstGeom>
-          <a:solidFill>
-            <a:srgbClr val="CF3338"/>
-          </a:solidFill>
-          <a:ln>
-            <a:noFill/>
-          </a:ln>
-        </p:spPr>
-        <p:style>
-          <a:lnRef idx="2">
-            <a:schemeClr val="accent1">
-              <a:shade val="50000"/>
-            </a:schemeClr>
-          </a:lnRef>
-          <a:fillRef idx="1">
-            <a:schemeClr val="accent1"/>
-          </a:fillRef>
-          <a:effectRef idx="0">
-            <a:schemeClr val="accent1"/>
-          </a:effectRef>
-          <a:fontRef idx="minor">
-            <a:schemeClr val="lt1"/>
-          </a:fontRef>
-        </p:style>
-        <p:txBody>
-          <a:bodyPr rtlCol="0" anchor="ctr"/>
-          <a:lstStyle/>
-          <a:p>
-            <a:pPr algn="ctr"/>
-            <a:endParaRPr lang="en-US" sz="2700"/>
-          </a:p>
-        </p:txBody>
-      </p:sp>
-      <p:pic>
-        <p:nvPicPr>
-          <p:cNvPr id="2" name="Picture 1"/>
-          <p:cNvPicPr>
-            <a:picLocks noChangeAspect="1"/>
-          </p:cNvPicPr>
-          <p:nvPr/>
-        </p:nvPicPr>
-        <p:blipFill rotWithShape="1">
-          <a:blip r:embed="rId3">
-            <a:extLst>
-              <a:ext uri="{28A0092B-C50C-407E-A947-70E740481C1C}">
-                <a14:useLocalDpi xmlns:a14="http://schemas.microsoft.com/office/drawing/2010/main" val="0"/>
-              </a:ext>
-            </a:extLst>
-          </a:blip>
-          <a:srcRect l="69227" t="33418" r="20112" b="50548"/>
-          <a:stretch/>
-        </p:blipFill>
-        <p:spPr>
-          <a:xfrm>
-            <a:off x="15579524" y="7544693"/>
-            <a:ext cx="2708477" cy="2987579"/>
-          </a:xfrm>
-          <a:prstGeom prst="rect">
-            <a:avLst/>
-          </a:prstGeom>
-        </p:spPr>
-      </p:pic>
-      <p:sp>
-        <p:nvSpPr>
-          <p:cNvPr id="3" name="TextBox 2"/>
-          <p:cNvSpPr txBox="1"/>
-          <p:nvPr/>
-        </p:nvSpPr>
-        <p:spPr>
-          <a:xfrm>
-            <a:off x="260431" y="329879"/>
-            <a:ext cx="8906720" cy="8027326"/>
-          </a:xfrm>
-          <a:prstGeom prst="rect">
-            <a:avLst/>
-          </a:prstGeom>
-          <a:noFill/>
-        </p:spPr>
-        <p:txBody>
-          <a:bodyPr wrap="square" rtlCol="0">
-            <a:spAutoFit/>
-          </a:bodyPr>
-          <a:lstStyle/>
-          <a:p>
-            <a:r>
-              <a:rPr lang="en-US" sz="6000" b="1" dirty="0">
-                <a:solidFill>
-                  <a:srgbClr val="CF3338"/>
-                </a:solidFill>
-                <a:latin typeface="Pragmatica" panose="020B0403040502020204" pitchFamily="34" charset="0"/>
-              </a:rPr>
-              <a:t>From “that’s hard in Excel” to “that’s easy in Python”</a:t>
-            </a:r>
-            <a:endParaRPr lang="en-US" sz="4200" dirty="0">
-              <a:solidFill>
-                <a:srgbClr val="CF3338"/>
-              </a:solidFill>
-              <a:latin typeface="Pragmatica" panose="020B0403040502020204" pitchFamily="34" charset="0"/>
-            </a:endParaRPr>
-          </a:p>
-          <a:p>
-            <a:pPr marL="685800" indent="-542925">
-              <a:lnSpc>
-                <a:spcPct val="115000"/>
-              </a:lnSpc>
-              <a:spcBef>
-                <a:spcPts val="1125"/>
-              </a:spcBef>
-              <a:buClr>
-                <a:srgbClr val="C00000"/>
-              </a:buClr>
-              <a:buSzPts val="2100"/>
-              <a:buFont typeface="Arial"/>
-              <a:buAutoNum type="arabicPeriod"/>
-            </a:pPr>
-            <a:r>
-              <a:rPr lang="en-US" sz="3600" dirty="0">
-                <a:solidFill>
-                  <a:srgbClr val="C00000"/>
-                </a:solidFill>
-                <a:latin typeface="Pragmatica" panose="020B0403040502020204"/>
-                <a:sym typeface="Consolas"/>
-              </a:rPr>
-              <a:t>Data profiling: What is the shape, size, completeness?</a:t>
-            </a:r>
-          </a:p>
-          <a:p>
-            <a:pPr marL="685800" indent="-542925">
-              <a:lnSpc>
-                <a:spcPct val="115000"/>
-              </a:lnSpc>
-              <a:spcBef>
-                <a:spcPts val="1125"/>
-              </a:spcBef>
-              <a:buClr>
-                <a:srgbClr val="C00000"/>
-              </a:buClr>
-              <a:buSzPts val="2100"/>
-              <a:buFont typeface="Arial"/>
-              <a:buAutoNum type="arabicPeriod"/>
-            </a:pPr>
-            <a:r>
-              <a:rPr lang="en-US" sz="3600" dirty="0">
-                <a:solidFill>
-                  <a:srgbClr val="C00000"/>
-                </a:solidFill>
-                <a:latin typeface="Pragmatica" panose="020B0403040502020204"/>
-                <a:sym typeface="Consolas"/>
-              </a:rPr>
-              <a:t>Time series: pandas for panel data</a:t>
-            </a:r>
-          </a:p>
-          <a:p>
-            <a:pPr marL="685800" indent="-542925">
-              <a:lnSpc>
-                <a:spcPct val="115000"/>
-              </a:lnSpc>
-              <a:spcBef>
-                <a:spcPts val="1125"/>
-              </a:spcBef>
-              <a:buClr>
-                <a:srgbClr val="C00000"/>
-              </a:buClr>
-              <a:buSzPts val="2100"/>
-              <a:buFont typeface="Arial"/>
-              <a:buAutoNum type="arabicPeriod"/>
-            </a:pPr>
-            <a:r>
-              <a:rPr lang="en-US" sz="3600" dirty="0">
-                <a:solidFill>
-                  <a:srgbClr val="C00000"/>
-                </a:solidFill>
-                <a:latin typeface="Pragmatica" panose="020B0403040502020204"/>
-                <a:sym typeface="Consolas"/>
-              </a:rPr>
-              <a:t>Visualizations: What are the distributions and relationships in this data?</a:t>
-            </a:r>
-          </a:p>
-          <a:p>
-            <a:pPr marL="685800" indent="-542925">
-              <a:lnSpc>
-                <a:spcPct val="115000"/>
-              </a:lnSpc>
-              <a:spcBef>
-                <a:spcPts val="1125"/>
-              </a:spcBef>
-              <a:buClr>
-                <a:srgbClr val="C00000"/>
-              </a:buClr>
-              <a:buSzPts val="2100"/>
-              <a:buFont typeface="Arial"/>
-              <a:buAutoNum type="arabicPeriod"/>
-            </a:pPr>
-            <a:endParaRPr lang="en-US" sz="3600" dirty="0">
-              <a:solidFill>
-                <a:srgbClr val="C00000"/>
-              </a:solidFill>
-              <a:latin typeface="Pragmatica" panose="020B0403040502020204"/>
-              <a:sym typeface="Consolas"/>
-            </a:endParaRPr>
-          </a:p>
-          <a:p>
-            <a:pPr marL="142875">
-              <a:lnSpc>
-                <a:spcPct val="115000"/>
-              </a:lnSpc>
-              <a:spcBef>
-                <a:spcPts val="1125"/>
-              </a:spcBef>
-              <a:buClr>
-                <a:srgbClr val="C00000"/>
-              </a:buClr>
-              <a:buSzPts val="2100"/>
-            </a:pPr>
-            <a:r>
-              <a:rPr lang="en-US" sz="3600" dirty="0">
-                <a:solidFill>
-                  <a:srgbClr val="C00000"/>
-                </a:solidFill>
-                <a:latin typeface="Pragmatica" panose="020B0403040502020204"/>
-                <a:sym typeface="Consolas"/>
-              </a:rPr>
-              <a:t>File: </a:t>
-            </a:r>
-            <a:r>
-              <a:rPr lang="en-US" sz="3600" dirty="0">
-                <a:solidFill>
-                  <a:srgbClr val="C00000"/>
-                </a:solidFill>
-                <a:latin typeface="Consolas" panose="020B0609020204030204" pitchFamily="49" charset="0"/>
-                <a:sym typeface="Consolas"/>
-              </a:rPr>
-              <a:t>hard-excel-easy-python.xlsx</a:t>
-            </a:r>
-            <a:endParaRPr lang="en-US" sz="6000" dirty="0">
-              <a:solidFill>
-                <a:srgbClr val="CF3338"/>
-              </a:solidFill>
-              <a:latin typeface="Consolas" panose="020B0609020204030204" pitchFamily="49" charset="0"/>
-            </a:endParaRPr>
-          </a:p>
-          <a:p>
-            <a:endParaRPr lang="en-US" sz="6000" dirty="0">
-              <a:solidFill>
-                <a:srgbClr val="CF3338"/>
-              </a:solidFill>
-              <a:latin typeface="Pragmatica" panose="020B0403040502020204" pitchFamily="34" charset="0"/>
-            </a:endParaRPr>
-          </a:p>
-        </p:txBody>
-      </p:sp>
-    </p:spTree>
-    <p:extLst>
-      <p:ext uri="{BB962C8B-B14F-4D97-AF65-F5344CB8AC3E}">
-        <p14:creationId xmlns:p14="http://schemas.microsoft.com/office/powerpoint/2010/main" val="2505051360"/>
       </p:ext>
     </p:extLst>
   </p:cSld>
